--- a/수업/Scientific Writing/Diagram.pptx
+++ b/수업/Scientific Writing/Diagram.pptx
@@ -6,6 +6,7 @@
   </p:sldMasterIdLst>
   <p:sldIdLst>
     <p:sldId id="256" r:id="rId2"/>
+    <p:sldId id="257" r:id="rId3"/>
   </p:sldIdLst>
   <p:sldSz cx="12192000" cy="6858000"/>
   <p:notesSz cx="6858000" cy="9144000"/>
@@ -243,7 +244,7 @@
           <a:p>
             <a:fld id="{AD08B7A3-68A4-47E4-B85F-A2057AFDA4BD}" type="datetimeFigureOut">
               <a:rPr lang="ko-KR" altLang="en-US" smtClean="0"/>
-              <a:t>2018-06-15</a:t>
+              <a:t>2018-07-18</a:t>
             </a:fld>
             <a:endParaRPr lang="ko-KR" altLang="en-US"/>
           </a:p>
@@ -413,7 +414,7 @@
           <a:p>
             <a:fld id="{AD08B7A3-68A4-47E4-B85F-A2057AFDA4BD}" type="datetimeFigureOut">
               <a:rPr lang="ko-KR" altLang="en-US" smtClean="0"/>
-              <a:t>2018-06-15</a:t>
+              <a:t>2018-07-18</a:t>
             </a:fld>
             <a:endParaRPr lang="ko-KR" altLang="en-US"/>
           </a:p>
@@ -593,7 +594,7 @@
           <a:p>
             <a:fld id="{AD08B7A3-68A4-47E4-B85F-A2057AFDA4BD}" type="datetimeFigureOut">
               <a:rPr lang="ko-KR" altLang="en-US" smtClean="0"/>
-              <a:t>2018-06-15</a:t>
+              <a:t>2018-07-18</a:t>
             </a:fld>
             <a:endParaRPr lang="ko-KR" altLang="en-US"/>
           </a:p>
@@ -763,7 +764,7 @@
           <a:p>
             <a:fld id="{AD08B7A3-68A4-47E4-B85F-A2057AFDA4BD}" type="datetimeFigureOut">
               <a:rPr lang="ko-KR" altLang="en-US" smtClean="0"/>
-              <a:t>2018-06-15</a:t>
+              <a:t>2018-07-18</a:t>
             </a:fld>
             <a:endParaRPr lang="ko-KR" altLang="en-US"/>
           </a:p>
@@ -1009,7 +1010,7 @@
           <a:p>
             <a:fld id="{AD08B7A3-68A4-47E4-B85F-A2057AFDA4BD}" type="datetimeFigureOut">
               <a:rPr lang="ko-KR" altLang="en-US" smtClean="0"/>
-              <a:t>2018-06-15</a:t>
+              <a:t>2018-07-18</a:t>
             </a:fld>
             <a:endParaRPr lang="ko-KR" altLang="en-US"/>
           </a:p>
@@ -1241,7 +1242,7 @@
           <a:p>
             <a:fld id="{AD08B7A3-68A4-47E4-B85F-A2057AFDA4BD}" type="datetimeFigureOut">
               <a:rPr lang="ko-KR" altLang="en-US" smtClean="0"/>
-              <a:t>2018-06-15</a:t>
+              <a:t>2018-07-18</a:t>
             </a:fld>
             <a:endParaRPr lang="ko-KR" altLang="en-US"/>
           </a:p>
@@ -1608,7 +1609,7 @@
           <a:p>
             <a:fld id="{AD08B7A3-68A4-47E4-B85F-A2057AFDA4BD}" type="datetimeFigureOut">
               <a:rPr lang="ko-KR" altLang="en-US" smtClean="0"/>
-              <a:t>2018-06-15</a:t>
+              <a:t>2018-07-18</a:t>
             </a:fld>
             <a:endParaRPr lang="ko-KR" altLang="en-US"/>
           </a:p>
@@ -1726,7 +1727,7 @@
           <a:p>
             <a:fld id="{AD08B7A3-68A4-47E4-B85F-A2057AFDA4BD}" type="datetimeFigureOut">
               <a:rPr lang="ko-KR" altLang="en-US" smtClean="0"/>
-              <a:t>2018-06-15</a:t>
+              <a:t>2018-07-18</a:t>
             </a:fld>
             <a:endParaRPr lang="ko-KR" altLang="en-US"/>
           </a:p>
@@ -1821,7 +1822,7 @@
           <a:p>
             <a:fld id="{AD08B7A3-68A4-47E4-B85F-A2057AFDA4BD}" type="datetimeFigureOut">
               <a:rPr lang="ko-KR" altLang="en-US" smtClean="0"/>
-              <a:t>2018-06-15</a:t>
+              <a:t>2018-07-18</a:t>
             </a:fld>
             <a:endParaRPr lang="ko-KR" altLang="en-US"/>
           </a:p>
@@ -2098,7 +2099,7 @@
           <a:p>
             <a:fld id="{AD08B7A3-68A4-47E4-B85F-A2057AFDA4BD}" type="datetimeFigureOut">
               <a:rPr lang="ko-KR" altLang="en-US" smtClean="0"/>
-              <a:t>2018-06-15</a:t>
+              <a:t>2018-07-18</a:t>
             </a:fld>
             <a:endParaRPr lang="ko-KR" altLang="en-US"/>
           </a:p>
@@ -2351,7 +2352,7 @@
           <a:p>
             <a:fld id="{AD08B7A3-68A4-47E4-B85F-A2057AFDA4BD}" type="datetimeFigureOut">
               <a:rPr lang="ko-KR" altLang="en-US" smtClean="0"/>
-              <a:t>2018-06-15</a:t>
+              <a:t>2018-07-18</a:t>
             </a:fld>
             <a:endParaRPr lang="ko-KR" altLang="en-US"/>
           </a:p>
@@ -2564,7 +2565,7 @@
           <a:p>
             <a:fld id="{AD08B7A3-68A4-47E4-B85F-A2057AFDA4BD}" type="datetimeFigureOut">
               <a:rPr lang="ko-KR" altLang="en-US" smtClean="0"/>
-              <a:t>2018-06-15</a:t>
+              <a:t>2018-07-18</a:t>
             </a:fld>
             <a:endParaRPr lang="ko-KR" altLang="en-US"/>
           </a:p>
@@ -3402,7 +3403,7 @@
           <a:graphicData uri="http://schemas.openxmlformats.org/presentationml/2006/ole">
             <mc:AlternateContent xmlns:mc="http://schemas.openxmlformats.org/markup-compatibility/2006">
               <mc:Choice xmlns:v="urn:schemas-microsoft-com:vml" Requires="v">
-                <p:oleObj spid="_x0000_s1040" name="Equation" r:id="rId3" imgW="139680" imgH="190440" progId="Equation.DSMT4">
+                <p:oleObj spid="_x0000_s1041" name="Equation" r:id="rId3" imgW="139680" imgH="190440" progId="Equation.DSMT4">
                   <p:embed/>
                 </p:oleObj>
               </mc:Choice>
@@ -4384,8 +4385,8 @@
           </a:p>
         </p:txBody>
       </p:sp>
-      <mc:AlternateContent xmlns:mc="http://schemas.openxmlformats.org/markup-compatibility/2006">
-        <mc:Choice xmlns:a14="http://schemas.microsoft.com/office/drawing/2010/main" Requires="a14">
+      <mc:AlternateContent xmlns:mc="http://schemas.openxmlformats.org/markup-compatibility/2006" xmlns:a14="http://schemas.microsoft.com/office/drawing/2010/main">
+        <mc:Choice Requires="a14">
           <p:sp>
             <p:nvSpPr>
               <p:cNvPr id="53" name="TextBox 52"/>
@@ -4479,7 +4480,7 @@
             </p:txBody>
           </p:sp>
         </mc:Choice>
-        <mc:Fallback>
+        <mc:Fallback xmlns="">
           <p:sp>
             <p:nvSpPr>
               <p:cNvPr id="53" name="TextBox 52"/>
@@ -5618,8 +5619,8 @@
           </a:fontRef>
         </p:style>
       </p:cxnSp>
-      <mc:AlternateContent xmlns:mc="http://schemas.openxmlformats.org/markup-compatibility/2006">
-        <mc:Choice xmlns:a14="http://schemas.microsoft.com/office/drawing/2010/main" Requires="a14">
+      <mc:AlternateContent xmlns:mc="http://schemas.openxmlformats.org/markup-compatibility/2006" xmlns:a14="http://schemas.microsoft.com/office/drawing/2010/main">
+        <mc:Choice Requires="a14">
           <p:sp>
             <p:nvSpPr>
               <p:cNvPr id="69" name="TextBox 68"/>
@@ -5678,7 +5679,7 @@
             </p:txBody>
           </p:sp>
         </mc:Choice>
-        <mc:Fallback>
+        <mc:Fallback xmlns="">
           <p:sp>
             <p:nvSpPr>
               <p:cNvPr id="69" name="TextBox 68"/>
@@ -6135,8 +6136,8 @@
           </a:p>
         </p:txBody>
       </p:sp>
-      <mc:AlternateContent xmlns:mc="http://schemas.openxmlformats.org/markup-compatibility/2006">
-        <mc:Choice xmlns:a14="http://schemas.microsoft.com/office/drawing/2010/main" Requires="a14">
+      <mc:AlternateContent xmlns:mc="http://schemas.openxmlformats.org/markup-compatibility/2006" xmlns:a14="http://schemas.microsoft.com/office/drawing/2010/main">
+        <mc:Choice Requires="a14">
           <p:sp>
             <p:nvSpPr>
               <p:cNvPr id="13" name="TextBox 12"/>
@@ -6159,6 +6160,7 @@
               </a:bodyPr>
               <a:lstStyle/>
               <a:p>
+                <a:pPr/>
                 <a14:m>
                   <m:oMathPara xmlns:m="http://schemas.openxmlformats.org/officeDocument/2006/math">
                     <m:oMathParaPr>
@@ -6198,7 +6200,7 @@
             </p:txBody>
           </p:sp>
         </mc:Choice>
-        <mc:Fallback>
+        <mc:Fallback xmlns="">
           <p:sp>
             <p:nvSpPr>
               <p:cNvPr id="13" name="TextBox 12"/>
@@ -6277,6 +6279,2396 @@
     <p:extLst>
       <p:ext uri="{BB962C8B-B14F-4D97-AF65-F5344CB8AC3E}">
         <p14:creationId xmlns:p14="http://schemas.microsoft.com/office/powerpoint/2010/main" val="4280741367"/>
+      </p:ext>
+    </p:extLst>
+  </p:cSld>
+  <p:clrMapOvr>
+    <a:masterClrMapping/>
+  </p:clrMapOvr>
+</p:sld>
+</file>
+
+<file path=ppt/slides/slide2.xml><?xml version="1.0" encoding="utf-8"?>
+<p:sld xmlns:a="http://schemas.openxmlformats.org/drawingml/2006/main" xmlns:r="http://schemas.openxmlformats.org/officeDocument/2006/relationships" xmlns:p="http://schemas.openxmlformats.org/presentationml/2006/main">
+  <p:cSld>
+    <p:spTree>
+      <p:nvGrpSpPr>
+        <p:cNvPr id="1" name=""/>
+        <p:cNvGrpSpPr/>
+        <p:nvPr/>
+      </p:nvGrpSpPr>
+      <p:grpSpPr>
+        <a:xfrm>
+          <a:off x="0" y="0"/>
+          <a:ext cx="0" cy="0"/>
+          <a:chOff x="0" y="0"/>
+          <a:chExt cx="0" cy="0"/>
+        </a:xfrm>
+      </p:grpSpPr>
+      <p:cxnSp>
+        <p:nvCxnSpPr>
+          <p:cNvPr id="9" name="직선 화살표 연결선 8"/>
+          <p:cNvCxnSpPr/>
+          <p:nvPr/>
+        </p:nvCxnSpPr>
+        <p:spPr>
+          <a:xfrm>
+            <a:off x="4021611" y="2599571"/>
+            <a:ext cx="1176630" cy="0"/>
+          </a:xfrm>
+          <a:prstGeom prst="straightConnector1">
+            <a:avLst/>
+          </a:prstGeom>
+          <a:ln w="12700">
+            <a:solidFill>
+              <a:schemeClr val="tx1"/>
+            </a:solidFill>
+            <a:tailEnd type="triangle"/>
+          </a:ln>
+        </p:spPr>
+        <p:style>
+          <a:lnRef idx="1">
+            <a:schemeClr val="accent1"/>
+          </a:lnRef>
+          <a:fillRef idx="0">
+            <a:schemeClr val="accent1"/>
+          </a:fillRef>
+          <a:effectRef idx="0">
+            <a:schemeClr val="accent1"/>
+          </a:effectRef>
+          <a:fontRef idx="minor">
+            <a:schemeClr val="tx1"/>
+          </a:fontRef>
+        </p:style>
+      </p:cxnSp>
+      <p:cxnSp>
+        <p:nvCxnSpPr>
+          <p:cNvPr id="10" name="직선 화살표 연결선 9"/>
+          <p:cNvCxnSpPr/>
+          <p:nvPr/>
+        </p:nvCxnSpPr>
+        <p:spPr>
+          <a:xfrm>
+            <a:off x="4021611" y="3488219"/>
+            <a:ext cx="586464" cy="1"/>
+          </a:xfrm>
+          <a:prstGeom prst="straightConnector1">
+            <a:avLst/>
+          </a:prstGeom>
+          <a:ln w="12700">
+            <a:solidFill>
+              <a:schemeClr val="tx1"/>
+            </a:solidFill>
+            <a:tailEnd type="triangle"/>
+          </a:ln>
+        </p:spPr>
+        <p:style>
+          <a:lnRef idx="1">
+            <a:schemeClr val="accent1"/>
+          </a:lnRef>
+          <a:fillRef idx="0">
+            <a:schemeClr val="accent1"/>
+          </a:fillRef>
+          <a:effectRef idx="0">
+            <a:schemeClr val="accent1"/>
+          </a:effectRef>
+          <a:fontRef idx="minor">
+            <a:schemeClr val="tx1"/>
+          </a:fontRef>
+        </p:style>
+      </p:cxnSp>
+      <p:sp>
+        <p:nvSpPr>
+          <p:cNvPr id="11" name="TextBox 10"/>
+          <p:cNvSpPr txBox="1"/>
+          <p:nvPr/>
+        </p:nvSpPr>
+        <p:spPr>
+          <a:xfrm>
+            <a:off x="4441344" y="2320043"/>
+            <a:ext cx="333746" cy="276999"/>
+          </a:xfrm>
+          <a:prstGeom prst="rect">
+            <a:avLst/>
+          </a:prstGeom>
+          <a:noFill/>
+          <a:ln w="15875">
+            <a:noFill/>
+          </a:ln>
+        </p:spPr>
+        <p:txBody>
+          <a:bodyPr wrap="none" rtlCol="0" anchor="ctr" anchorCtr="0">
+            <a:spAutoFit/>
+          </a:bodyPr>
+          <a:lstStyle/>
+          <a:p>
+            <a:pPr algn="ctr"/>
+            <a:r>
+              <a:rPr lang="en-US" altLang="ko-KR" sz="1200" i="1" dirty="0" smtClean="0"/>
+              <a:t>d</a:t>
+            </a:r>
+            <a:r>
+              <a:rPr lang="en-US" altLang="ko-KR" sz="1200" baseline="-25000" dirty="0" smtClean="0"/>
+              <a:t>1</a:t>
+            </a:r>
+            <a:endParaRPr lang="ko-KR" altLang="en-US" sz="1200" baseline="-25000" dirty="0" smtClean="0"/>
+          </a:p>
+        </p:txBody>
+      </p:sp>
+      <p:sp>
+        <p:nvSpPr>
+          <p:cNvPr id="12" name="TextBox 11"/>
+          <p:cNvSpPr txBox="1"/>
+          <p:nvPr/>
+        </p:nvSpPr>
+        <p:spPr>
+          <a:xfrm>
+            <a:off x="4147970" y="3222930"/>
+            <a:ext cx="333746" cy="276999"/>
+          </a:xfrm>
+          <a:prstGeom prst="rect">
+            <a:avLst/>
+          </a:prstGeom>
+          <a:noFill/>
+          <a:ln w="15875">
+            <a:noFill/>
+          </a:ln>
+        </p:spPr>
+        <p:txBody>
+          <a:bodyPr wrap="none" rtlCol="0" anchor="ctr" anchorCtr="0">
+            <a:spAutoFit/>
+          </a:bodyPr>
+          <a:lstStyle/>
+          <a:p>
+            <a:pPr algn="ctr"/>
+            <a:r>
+              <a:rPr lang="en-US" altLang="ko-KR" sz="1200" i="1" dirty="0" smtClean="0"/>
+              <a:t>d</a:t>
+            </a:r>
+            <a:r>
+              <a:rPr lang="en-US" altLang="ko-KR" sz="1200" baseline="-25000" dirty="0" smtClean="0"/>
+              <a:t>2</a:t>
+            </a:r>
+            <a:endParaRPr lang="ko-KR" altLang="en-US" sz="1200" baseline="-25000" dirty="0" smtClean="0"/>
+          </a:p>
+        </p:txBody>
+      </p:sp>
+      <p:cxnSp>
+        <p:nvCxnSpPr>
+          <p:cNvPr id="42" name="직선 연결선 41"/>
+          <p:cNvCxnSpPr/>
+          <p:nvPr/>
+        </p:nvCxnSpPr>
+        <p:spPr>
+          <a:xfrm flipV="1">
+            <a:off x="6765044" y="1157438"/>
+            <a:ext cx="0" cy="1715628"/>
+          </a:xfrm>
+          <a:prstGeom prst="line">
+            <a:avLst/>
+          </a:prstGeom>
+          <a:ln w="12700">
+            <a:solidFill>
+              <a:schemeClr val="tx1"/>
+            </a:solidFill>
+          </a:ln>
+        </p:spPr>
+        <p:style>
+          <a:lnRef idx="1">
+            <a:schemeClr val="accent1"/>
+          </a:lnRef>
+          <a:fillRef idx="0">
+            <a:schemeClr val="accent1"/>
+          </a:fillRef>
+          <a:effectRef idx="0">
+            <a:schemeClr val="accent1"/>
+          </a:effectRef>
+          <a:fontRef idx="minor">
+            <a:schemeClr val="tx1"/>
+          </a:fontRef>
+        </p:style>
+      </p:cxnSp>
+      <p:cxnSp>
+        <p:nvCxnSpPr>
+          <p:cNvPr id="43" name="직선 화살표 연결선 42"/>
+          <p:cNvCxnSpPr/>
+          <p:nvPr/>
+        </p:nvCxnSpPr>
+        <p:spPr>
+          <a:xfrm flipH="1">
+            <a:off x="6760793" y="1346562"/>
+            <a:ext cx="744113" cy="882531"/>
+          </a:xfrm>
+          <a:prstGeom prst="straightConnector1">
+            <a:avLst/>
+          </a:prstGeom>
+          <a:ln w="9525">
+            <a:solidFill>
+              <a:schemeClr val="tx1"/>
+            </a:solidFill>
+            <a:tailEnd type="triangle"/>
+          </a:ln>
+        </p:spPr>
+        <p:style>
+          <a:lnRef idx="1">
+            <a:schemeClr val="accent1"/>
+          </a:lnRef>
+          <a:fillRef idx="0">
+            <a:schemeClr val="accent1"/>
+          </a:fillRef>
+          <a:effectRef idx="0">
+            <a:schemeClr val="accent1"/>
+          </a:effectRef>
+          <a:fontRef idx="minor">
+            <a:schemeClr val="tx1"/>
+          </a:fontRef>
+        </p:style>
+      </p:cxnSp>
+      <p:sp>
+        <p:nvSpPr>
+          <p:cNvPr id="44" name="원호 43"/>
+          <p:cNvSpPr/>
+          <p:nvPr/>
+        </p:nvSpPr>
+        <p:spPr>
+          <a:xfrm>
+            <a:off x="6488745" y="1822686"/>
+            <a:ext cx="552597" cy="394202"/>
+          </a:xfrm>
+          <a:prstGeom prst="arc">
+            <a:avLst>
+              <a:gd name="adj1" fmla="val 16200000"/>
+              <a:gd name="adj2" fmla="val 20506425"/>
+            </a:avLst>
+          </a:prstGeom>
+          <a:ln>
+            <a:solidFill>
+              <a:schemeClr val="tx1"/>
+            </a:solidFill>
+          </a:ln>
+        </p:spPr>
+        <p:style>
+          <a:lnRef idx="1">
+            <a:schemeClr val="accent1"/>
+          </a:lnRef>
+          <a:fillRef idx="0">
+            <a:schemeClr val="accent1"/>
+          </a:fillRef>
+          <a:effectRef idx="0">
+            <a:schemeClr val="accent1"/>
+          </a:effectRef>
+          <a:fontRef idx="minor">
+            <a:schemeClr val="tx1"/>
+          </a:fontRef>
+        </p:style>
+        <p:txBody>
+          <a:bodyPr rtlCol="0" anchor="ctr"/>
+          <a:lstStyle>
+            <a:defPPr>
+              <a:defRPr lang="ko-KR"/>
+            </a:defPPr>
+            <a:lvl1pPr marL="0" algn="l" defTabSz="914400" rtl="0" eaLnBrk="1" latinLnBrk="1" hangingPunct="1">
+              <a:defRPr sz="1800" kern="1200">
+                <a:solidFill>
+                  <a:schemeClr val="tx1"/>
+                </a:solidFill>
+                <a:latin typeface="+mn-lt"/>
+                <a:ea typeface="+mn-ea"/>
+                <a:cs typeface="+mn-cs"/>
+              </a:defRPr>
+            </a:lvl1pPr>
+            <a:lvl2pPr marL="457200" algn="l" defTabSz="914400" rtl="0" eaLnBrk="1" latinLnBrk="1" hangingPunct="1">
+              <a:defRPr sz="1800" kern="1200">
+                <a:solidFill>
+                  <a:schemeClr val="tx1"/>
+                </a:solidFill>
+                <a:latin typeface="+mn-lt"/>
+                <a:ea typeface="+mn-ea"/>
+                <a:cs typeface="+mn-cs"/>
+              </a:defRPr>
+            </a:lvl2pPr>
+            <a:lvl3pPr marL="914400" algn="l" defTabSz="914400" rtl="0" eaLnBrk="1" latinLnBrk="1" hangingPunct="1">
+              <a:defRPr sz="1800" kern="1200">
+                <a:solidFill>
+                  <a:schemeClr val="tx1"/>
+                </a:solidFill>
+                <a:latin typeface="+mn-lt"/>
+                <a:ea typeface="+mn-ea"/>
+                <a:cs typeface="+mn-cs"/>
+              </a:defRPr>
+            </a:lvl3pPr>
+            <a:lvl4pPr marL="1371600" algn="l" defTabSz="914400" rtl="0" eaLnBrk="1" latinLnBrk="1" hangingPunct="1">
+              <a:defRPr sz="1800" kern="1200">
+                <a:solidFill>
+                  <a:schemeClr val="tx1"/>
+                </a:solidFill>
+                <a:latin typeface="+mn-lt"/>
+                <a:ea typeface="+mn-ea"/>
+                <a:cs typeface="+mn-cs"/>
+              </a:defRPr>
+            </a:lvl4pPr>
+            <a:lvl5pPr marL="1828800" algn="l" defTabSz="914400" rtl="0" eaLnBrk="1" latinLnBrk="1" hangingPunct="1">
+              <a:defRPr sz="1800" kern="1200">
+                <a:solidFill>
+                  <a:schemeClr val="tx1"/>
+                </a:solidFill>
+                <a:latin typeface="+mn-lt"/>
+                <a:ea typeface="+mn-ea"/>
+                <a:cs typeface="+mn-cs"/>
+              </a:defRPr>
+            </a:lvl5pPr>
+            <a:lvl6pPr marL="2286000" algn="l" defTabSz="914400" rtl="0" eaLnBrk="1" latinLnBrk="1" hangingPunct="1">
+              <a:defRPr sz="1800" kern="1200">
+                <a:solidFill>
+                  <a:schemeClr val="tx1"/>
+                </a:solidFill>
+                <a:latin typeface="+mn-lt"/>
+                <a:ea typeface="+mn-ea"/>
+                <a:cs typeface="+mn-cs"/>
+              </a:defRPr>
+            </a:lvl6pPr>
+            <a:lvl7pPr marL="2743200" algn="l" defTabSz="914400" rtl="0" eaLnBrk="1" latinLnBrk="1" hangingPunct="1">
+              <a:defRPr sz="1800" kern="1200">
+                <a:solidFill>
+                  <a:schemeClr val="tx1"/>
+                </a:solidFill>
+                <a:latin typeface="+mn-lt"/>
+                <a:ea typeface="+mn-ea"/>
+                <a:cs typeface="+mn-cs"/>
+              </a:defRPr>
+            </a:lvl7pPr>
+            <a:lvl8pPr marL="3200400" algn="l" defTabSz="914400" rtl="0" eaLnBrk="1" latinLnBrk="1" hangingPunct="1">
+              <a:defRPr sz="1800" kern="1200">
+                <a:solidFill>
+                  <a:schemeClr val="tx1"/>
+                </a:solidFill>
+                <a:latin typeface="+mn-lt"/>
+                <a:ea typeface="+mn-ea"/>
+                <a:cs typeface="+mn-cs"/>
+              </a:defRPr>
+            </a:lvl8pPr>
+            <a:lvl9pPr marL="3657600" algn="l" defTabSz="914400" rtl="0" eaLnBrk="1" latinLnBrk="1" hangingPunct="1">
+              <a:defRPr sz="1800" kern="1200">
+                <a:solidFill>
+                  <a:schemeClr val="tx1"/>
+                </a:solidFill>
+                <a:latin typeface="+mn-lt"/>
+                <a:ea typeface="+mn-ea"/>
+                <a:cs typeface="+mn-cs"/>
+              </a:defRPr>
+            </a:lvl9pPr>
+          </a:lstStyle>
+          <a:p>
+            <a:pPr algn="ctr"/>
+            <a:endParaRPr lang="ko-KR" altLang="en-US"/>
+          </a:p>
+        </p:txBody>
+      </p:sp>
+      <p:graphicFrame>
+        <p:nvGraphicFramePr>
+          <p:cNvPr id="45" name="개체 44"/>
+          <p:cNvGraphicFramePr>
+            <a:graphicFrameLocks noChangeAspect="1"/>
+          </p:cNvGraphicFramePr>
+          <p:nvPr>
+            <p:extLst/>
+          </p:nvPr>
+        </p:nvGraphicFramePr>
+        <p:xfrm>
+          <a:off x="6848859" y="1549326"/>
+          <a:ext cx="210524" cy="287078"/>
+        </p:xfrm>
+        <a:graphic>
+          <a:graphicData uri="http://schemas.openxmlformats.org/presentationml/2006/ole">
+            <mc:AlternateContent xmlns:mc="http://schemas.openxmlformats.org/markup-compatibility/2006">
+              <mc:Choice xmlns:v="urn:schemas-microsoft-com:vml" Requires="v">
+                <p:oleObj spid="_x0000_s2050" name="Equation" r:id="rId3" imgW="139680" imgH="190440" progId="Equation.DSMT4">
+                  <p:embed/>
+                </p:oleObj>
+              </mc:Choice>
+              <mc:Fallback>
+                <p:oleObj name="Equation" r:id="rId3" imgW="139680" imgH="190440" progId="Equation.DSMT4">
+                  <p:embed/>
+                  <p:pic>
+                    <p:nvPicPr>
+                      <p:cNvPr id="45" name="개체 44"/>
+                      <p:cNvPicPr/>
+                      <p:nvPr/>
+                    </p:nvPicPr>
+                    <p:blipFill>
+                      <a:blip r:embed="rId4"/>
+                      <a:stretch>
+                        <a:fillRect/>
+                      </a:stretch>
+                    </p:blipFill>
+                    <p:spPr>
+                      <a:xfrm>
+                        <a:off x="6848859" y="1549326"/>
+                        <a:ext cx="210524" cy="287078"/>
+                      </a:xfrm>
+                      <a:prstGeom prst="rect">
+                        <a:avLst/>
+                      </a:prstGeom>
+                    </p:spPr>
+                  </p:pic>
+                </p:oleObj>
+              </mc:Fallback>
+            </mc:AlternateContent>
+          </a:graphicData>
+        </a:graphic>
+      </p:graphicFrame>
+      <p:sp>
+        <p:nvSpPr>
+          <p:cNvPr id="81" name="자유형 80"/>
+          <p:cNvSpPr/>
+          <p:nvPr/>
+        </p:nvSpPr>
+        <p:spPr>
+          <a:xfrm>
+            <a:off x="7028541" y="4102424"/>
+            <a:ext cx="128038" cy="1224534"/>
+          </a:xfrm>
+          <a:custGeom>
+            <a:avLst/>
+            <a:gdLst>
+              <a:gd name="connsiteX0" fmla="*/ 8327 w 128038"/>
+              <a:gd name="connsiteY0" fmla="*/ 0 h 1224534"/>
+              <a:gd name="connsiteX1" fmla="*/ 128038 w 128038"/>
+              <a:gd name="connsiteY1" fmla="*/ 0 h 1224534"/>
+              <a:gd name="connsiteX2" fmla="*/ 128038 w 128038"/>
+              <a:gd name="connsiteY2" fmla="*/ 1222699 h 1224534"/>
+              <a:gd name="connsiteX3" fmla="*/ 107069 w 128038"/>
+              <a:gd name="connsiteY3" fmla="*/ 1224534 h 1224534"/>
+              <a:gd name="connsiteX4" fmla="*/ 0 w 128038"/>
+              <a:gd name="connsiteY4" fmla="*/ 729 h 1224534"/>
+            </a:gdLst>
+            <a:ahLst/>
+            <a:cxnLst>
+              <a:cxn ang="0">
+                <a:pos x="connsiteX0" y="connsiteY0"/>
+              </a:cxn>
+              <a:cxn ang="0">
+                <a:pos x="connsiteX1" y="connsiteY1"/>
+              </a:cxn>
+              <a:cxn ang="0">
+                <a:pos x="connsiteX2" y="connsiteY2"/>
+              </a:cxn>
+              <a:cxn ang="0">
+                <a:pos x="connsiteX3" y="connsiteY3"/>
+              </a:cxn>
+              <a:cxn ang="0">
+                <a:pos x="connsiteX4" y="connsiteY4"/>
+              </a:cxn>
+            </a:cxnLst>
+            <a:rect l="l" t="t" r="r" b="b"/>
+            <a:pathLst>
+              <a:path w="128038" h="1224534">
+                <a:moveTo>
+                  <a:pt x="8327" y="0"/>
+                </a:moveTo>
+                <a:lnTo>
+                  <a:pt x="128038" y="0"/>
+                </a:lnTo>
+                <a:lnTo>
+                  <a:pt x="128038" y="1222699"/>
+                </a:lnTo>
+                <a:lnTo>
+                  <a:pt x="107069" y="1224534"/>
+                </a:lnTo>
+                <a:lnTo>
+                  <a:pt x="0" y="729"/>
+                </a:lnTo>
+                <a:close/>
+              </a:path>
+            </a:pathLst>
+          </a:custGeom>
+          <a:solidFill>
+            <a:schemeClr val="bg1">
+              <a:lumMod val="75000"/>
+            </a:schemeClr>
+          </a:solidFill>
+          <a:ln w="6350">
+            <a:solidFill>
+              <a:schemeClr val="tx1"/>
+            </a:solidFill>
+          </a:ln>
+        </p:spPr>
+        <p:style>
+          <a:lnRef idx="2">
+            <a:schemeClr val="accent1">
+              <a:shade val="50000"/>
+            </a:schemeClr>
+          </a:lnRef>
+          <a:fillRef idx="1">
+            <a:schemeClr val="accent1"/>
+          </a:fillRef>
+          <a:effectRef idx="0">
+            <a:schemeClr val="accent1"/>
+          </a:effectRef>
+          <a:fontRef idx="minor">
+            <a:schemeClr val="lt1"/>
+          </a:fontRef>
+        </p:style>
+        <p:txBody>
+          <a:bodyPr wrap="square" rtlCol="0" anchor="ctr">
+            <a:noAutofit/>
+          </a:bodyPr>
+          <a:lstStyle/>
+          <a:p>
+            <a:pPr algn="ctr"/>
+            <a:endParaRPr lang="ko-KR" altLang="en-US" sz="825" b="1" dirty="0">
+              <a:latin typeface="Arial" panose="020B0604020202020204" pitchFamily="34" charset="0"/>
+              <a:cs typeface="Arial" panose="020B0604020202020204" pitchFamily="34" charset="0"/>
+            </a:endParaRPr>
+          </a:p>
+        </p:txBody>
+      </p:sp>
+      <p:sp>
+        <p:nvSpPr>
+          <p:cNvPr id="40" name="직사각형 39"/>
+          <p:cNvSpPr/>
+          <p:nvPr/>
+        </p:nvSpPr>
+        <p:spPr>
+          <a:xfrm>
+            <a:off x="4608075" y="2881289"/>
+            <a:ext cx="1563563" cy="1219096"/>
+          </a:xfrm>
+          <a:prstGeom prst="rect">
+            <a:avLst/>
+          </a:prstGeom>
+          <a:noFill/>
+          <a:ln w="6350">
+            <a:solidFill>
+              <a:schemeClr val="tx1"/>
+            </a:solidFill>
+          </a:ln>
+        </p:spPr>
+        <p:style>
+          <a:lnRef idx="2">
+            <a:schemeClr val="accent1">
+              <a:shade val="50000"/>
+            </a:schemeClr>
+          </a:lnRef>
+          <a:fillRef idx="1">
+            <a:schemeClr val="accent1"/>
+          </a:fillRef>
+          <a:effectRef idx="0">
+            <a:schemeClr val="accent1"/>
+          </a:effectRef>
+          <a:fontRef idx="minor">
+            <a:schemeClr val="lt1"/>
+          </a:fontRef>
+        </p:style>
+        <p:txBody>
+          <a:bodyPr lIns="0" tIns="0" rIns="0" bIns="0" rtlCol="0" anchor="ctr"/>
+          <a:lstStyle/>
+          <a:p>
+            <a:pPr algn="ctr"/>
+            <a:endParaRPr lang="ko-KR" altLang="en-US" sz="900" b="1" baseline="-25000" dirty="0">
+              <a:solidFill>
+                <a:schemeClr val="bg1"/>
+              </a:solidFill>
+              <a:latin typeface="Arial" panose="020B0604020202020204" pitchFamily="34" charset="0"/>
+              <a:cs typeface="Arial" panose="020B0604020202020204" pitchFamily="34" charset="0"/>
+            </a:endParaRPr>
+          </a:p>
+        </p:txBody>
+      </p:sp>
+      <p:sp>
+        <p:nvSpPr>
+          <p:cNvPr id="41" name="직사각형 40"/>
+          <p:cNvSpPr/>
+          <p:nvPr/>
+        </p:nvSpPr>
+        <p:spPr>
+          <a:xfrm>
+            <a:off x="4609006" y="3902011"/>
+            <a:ext cx="131122" cy="198376"/>
+          </a:xfrm>
+          <a:prstGeom prst="rect">
+            <a:avLst/>
+          </a:prstGeom>
+          <a:solidFill>
+            <a:schemeClr val="tx1"/>
+          </a:solidFill>
+          <a:ln>
+            <a:noFill/>
+          </a:ln>
+        </p:spPr>
+        <p:style>
+          <a:lnRef idx="2">
+            <a:schemeClr val="accent1">
+              <a:shade val="50000"/>
+            </a:schemeClr>
+          </a:lnRef>
+          <a:fillRef idx="1">
+            <a:schemeClr val="accent1"/>
+          </a:fillRef>
+          <a:effectRef idx="0">
+            <a:schemeClr val="accent1"/>
+          </a:effectRef>
+          <a:fontRef idx="minor">
+            <a:schemeClr val="lt1"/>
+          </a:fontRef>
+        </p:style>
+        <p:txBody>
+          <a:bodyPr rtlCol="0" anchor="ctr"/>
+          <a:lstStyle/>
+          <a:p>
+            <a:pPr algn="ctr"/>
+            <a:endParaRPr lang="ko-KR" altLang="en-US" sz="675" dirty="0">
+              <a:latin typeface="Arial" panose="020B0604020202020204" pitchFamily="34" charset="0"/>
+              <a:cs typeface="Arial" panose="020B0604020202020204" pitchFamily="34" charset="0"/>
+            </a:endParaRPr>
+          </a:p>
+        </p:txBody>
+      </p:sp>
+      <p:sp>
+        <p:nvSpPr>
+          <p:cNvPr id="20" name="직사각형 19"/>
+          <p:cNvSpPr/>
+          <p:nvPr/>
+        </p:nvSpPr>
+        <p:spPr>
+          <a:xfrm rot="21320801">
+            <a:off x="5496346" y="4100386"/>
+            <a:ext cx="163282" cy="1225444"/>
+          </a:xfrm>
+          <a:prstGeom prst="rect">
+            <a:avLst/>
+          </a:prstGeom>
+          <a:solidFill>
+            <a:schemeClr val="bg1">
+              <a:lumMod val="75000"/>
+            </a:schemeClr>
+          </a:solidFill>
+          <a:ln w="6350">
+            <a:noFill/>
+          </a:ln>
+        </p:spPr>
+        <p:style>
+          <a:lnRef idx="2">
+            <a:schemeClr val="accent1">
+              <a:shade val="50000"/>
+            </a:schemeClr>
+          </a:lnRef>
+          <a:fillRef idx="1">
+            <a:schemeClr val="accent1"/>
+          </a:fillRef>
+          <a:effectRef idx="0">
+            <a:schemeClr val="accent1"/>
+          </a:effectRef>
+          <a:fontRef idx="minor">
+            <a:schemeClr val="lt1"/>
+          </a:fontRef>
+        </p:style>
+        <p:txBody>
+          <a:bodyPr rtlCol="0" anchor="ctr"/>
+          <a:lstStyle/>
+          <a:p>
+            <a:pPr algn="ctr"/>
+            <a:endParaRPr lang="en-US" altLang="ko-KR" sz="750" dirty="0">
+              <a:solidFill>
+                <a:schemeClr val="tx1"/>
+              </a:solidFill>
+              <a:latin typeface="Arial" panose="020B0604020202020204" pitchFamily="34" charset="0"/>
+              <a:cs typeface="Arial" panose="020B0604020202020204" pitchFamily="34" charset="0"/>
+            </a:endParaRPr>
+          </a:p>
+        </p:txBody>
+      </p:sp>
+      <p:sp>
+        <p:nvSpPr>
+          <p:cNvPr id="21" name="직사각형 20"/>
+          <p:cNvSpPr/>
+          <p:nvPr/>
+        </p:nvSpPr>
+        <p:spPr>
+          <a:xfrm>
+            <a:off x="6172205" y="2878252"/>
+            <a:ext cx="1563563" cy="1219097"/>
+          </a:xfrm>
+          <a:prstGeom prst="rect">
+            <a:avLst/>
+          </a:prstGeom>
+          <a:noFill/>
+          <a:ln w="6350">
+            <a:solidFill>
+              <a:schemeClr val="tx1"/>
+            </a:solidFill>
+          </a:ln>
+        </p:spPr>
+        <p:style>
+          <a:lnRef idx="2">
+            <a:schemeClr val="accent1">
+              <a:shade val="50000"/>
+            </a:schemeClr>
+          </a:lnRef>
+          <a:fillRef idx="1">
+            <a:schemeClr val="accent1"/>
+          </a:fillRef>
+          <a:effectRef idx="0">
+            <a:schemeClr val="accent1"/>
+          </a:effectRef>
+          <a:fontRef idx="minor">
+            <a:schemeClr val="lt1"/>
+          </a:fontRef>
+        </p:style>
+        <p:txBody>
+          <a:bodyPr lIns="0" tIns="0" rIns="0" bIns="0" rtlCol="0" anchor="ctr"/>
+          <a:lstStyle/>
+          <a:p>
+            <a:pPr algn="ctr"/>
+            <a:endParaRPr lang="ko-KR" altLang="en-US" sz="900" b="1" baseline="-25000" dirty="0">
+              <a:solidFill>
+                <a:schemeClr val="bg1"/>
+              </a:solidFill>
+              <a:latin typeface="Arial" panose="020B0604020202020204" pitchFamily="34" charset="0"/>
+              <a:cs typeface="Arial" panose="020B0604020202020204" pitchFamily="34" charset="0"/>
+            </a:endParaRPr>
+          </a:p>
+        </p:txBody>
+      </p:sp>
+      <p:sp>
+        <p:nvSpPr>
+          <p:cNvPr id="22" name="직사각형 21"/>
+          <p:cNvSpPr/>
+          <p:nvPr/>
+        </p:nvSpPr>
+        <p:spPr>
+          <a:xfrm>
+            <a:off x="7608375" y="3898975"/>
+            <a:ext cx="131122" cy="198376"/>
+          </a:xfrm>
+          <a:prstGeom prst="rect">
+            <a:avLst/>
+          </a:prstGeom>
+          <a:solidFill>
+            <a:schemeClr val="tx1"/>
+          </a:solidFill>
+          <a:ln>
+            <a:noFill/>
+          </a:ln>
+        </p:spPr>
+        <p:style>
+          <a:lnRef idx="2">
+            <a:schemeClr val="accent1">
+              <a:shade val="50000"/>
+            </a:schemeClr>
+          </a:lnRef>
+          <a:fillRef idx="1">
+            <a:schemeClr val="accent1"/>
+          </a:fillRef>
+          <a:effectRef idx="0">
+            <a:schemeClr val="accent1"/>
+          </a:effectRef>
+          <a:fontRef idx="minor">
+            <a:schemeClr val="lt1"/>
+          </a:fontRef>
+        </p:style>
+        <p:txBody>
+          <a:bodyPr rtlCol="0" anchor="ctr"/>
+          <a:lstStyle/>
+          <a:p>
+            <a:pPr algn="ctr"/>
+            <a:endParaRPr lang="ko-KR" altLang="en-US" sz="675" dirty="0">
+              <a:latin typeface="Arial" panose="020B0604020202020204" pitchFamily="34" charset="0"/>
+              <a:cs typeface="Arial" panose="020B0604020202020204" pitchFamily="34" charset="0"/>
+            </a:endParaRPr>
+          </a:p>
+        </p:txBody>
+      </p:sp>
+      <p:sp>
+        <p:nvSpPr>
+          <p:cNvPr id="23" name="직사각형 22"/>
+          <p:cNvSpPr/>
+          <p:nvPr/>
+        </p:nvSpPr>
+        <p:spPr>
+          <a:xfrm>
+            <a:off x="6073832" y="3905049"/>
+            <a:ext cx="192871" cy="198376"/>
+          </a:xfrm>
+          <a:prstGeom prst="rect">
+            <a:avLst/>
+          </a:prstGeom>
+          <a:solidFill>
+            <a:schemeClr val="tx1"/>
+          </a:solidFill>
+          <a:ln>
+            <a:noFill/>
+          </a:ln>
+        </p:spPr>
+        <p:style>
+          <a:lnRef idx="2">
+            <a:schemeClr val="accent1">
+              <a:shade val="50000"/>
+            </a:schemeClr>
+          </a:lnRef>
+          <a:fillRef idx="1">
+            <a:schemeClr val="accent1"/>
+          </a:fillRef>
+          <a:effectRef idx="0">
+            <a:schemeClr val="accent1"/>
+          </a:effectRef>
+          <a:fontRef idx="minor">
+            <a:schemeClr val="lt1"/>
+          </a:fontRef>
+        </p:style>
+        <p:txBody>
+          <a:bodyPr rtlCol="0" anchor="ctr"/>
+          <a:lstStyle/>
+          <a:p>
+            <a:pPr algn="ctr"/>
+            <a:endParaRPr lang="ko-KR" altLang="en-US" sz="675" dirty="0">
+              <a:latin typeface="Arial" panose="020B0604020202020204" pitchFamily="34" charset="0"/>
+              <a:cs typeface="Arial" panose="020B0604020202020204" pitchFamily="34" charset="0"/>
+            </a:endParaRPr>
+          </a:p>
+        </p:txBody>
+      </p:sp>
+      <p:sp>
+        <p:nvSpPr>
+          <p:cNvPr id="50" name="자유형 49"/>
+          <p:cNvSpPr/>
+          <p:nvPr/>
+        </p:nvSpPr>
+        <p:spPr>
+          <a:xfrm>
+            <a:off x="5199053" y="2318501"/>
+            <a:ext cx="1566174" cy="278810"/>
+          </a:xfrm>
+          <a:custGeom>
+            <a:avLst/>
+            <a:gdLst>
+              <a:gd name="connsiteX0" fmla="*/ 783087 w 1566174"/>
+              <a:gd name="connsiteY0" fmla="*/ 0 h 278810"/>
+              <a:gd name="connsiteX1" fmla="*/ 1566174 w 1566174"/>
+              <a:gd name="connsiteY1" fmla="*/ 269887 h 278810"/>
+              <a:gd name="connsiteX2" fmla="*/ 1564103 w 1566174"/>
+              <a:gd name="connsiteY2" fmla="*/ 276967 h 278810"/>
+              <a:gd name="connsiteX3" fmla="*/ 2610 w 1566174"/>
+              <a:gd name="connsiteY3" fmla="*/ 276967 h 278810"/>
+              <a:gd name="connsiteX4" fmla="*/ 2610 w 1566174"/>
+              <a:gd name="connsiteY4" fmla="*/ 278810 h 278810"/>
+              <a:gd name="connsiteX5" fmla="*/ 0 w 1566174"/>
+              <a:gd name="connsiteY5" fmla="*/ 269887 h 278810"/>
+              <a:gd name="connsiteX6" fmla="*/ 783087 w 1566174"/>
+              <a:gd name="connsiteY6" fmla="*/ 0 h 278810"/>
+            </a:gdLst>
+            <a:ahLst/>
+            <a:cxnLst>
+              <a:cxn ang="0">
+                <a:pos x="connsiteX0" y="connsiteY0"/>
+              </a:cxn>
+              <a:cxn ang="0">
+                <a:pos x="connsiteX1" y="connsiteY1"/>
+              </a:cxn>
+              <a:cxn ang="0">
+                <a:pos x="connsiteX2" y="connsiteY2"/>
+              </a:cxn>
+              <a:cxn ang="0">
+                <a:pos x="connsiteX3" y="connsiteY3"/>
+              </a:cxn>
+              <a:cxn ang="0">
+                <a:pos x="connsiteX4" y="connsiteY4"/>
+              </a:cxn>
+              <a:cxn ang="0">
+                <a:pos x="connsiteX5" y="connsiteY5"/>
+              </a:cxn>
+              <a:cxn ang="0">
+                <a:pos x="connsiteX6" y="connsiteY6"/>
+              </a:cxn>
+            </a:cxnLst>
+            <a:rect l="l" t="t" r="r" b="b"/>
+            <a:pathLst>
+              <a:path w="1566174" h="278810">
+                <a:moveTo>
+                  <a:pt x="783087" y="0"/>
+                </a:moveTo>
+                <a:cubicBezTo>
+                  <a:pt x="1215574" y="0"/>
+                  <a:pt x="1566174" y="120833"/>
+                  <a:pt x="1566174" y="269887"/>
+                </a:cubicBezTo>
+                <a:lnTo>
+                  <a:pt x="1564103" y="276967"/>
+                </a:lnTo>
+                <a:lnTo>
+                  <a:pt x="2610" y="276967"/>
+                </a:lnTo>
+                <a:lnTo>
+                  <a:pt x="2610" y="278810"/>
+                </a:lnTo>
+                <a:lnTo>
+                  <a:pt x="0" y="269887"/>
+                </a:lnTo>
+                <a:cubicBezTo>
+                  <a:pt x="0" y="120833"/>
+                  <a:pt x="350600" y="0"/>
+                  <a:pt x="783087" y="0"/>
+                </a:cubicBezTo>
+                <a:close/>
+              </a:path>
+            </a:pathLst>
+          </a:custGeom>
+          <a:noFill/>
+          <a:ln w="6350">
+            <a:solidFill>
+              <a:schemeClr val="tx1"/>
+            </a:solidFill>
+          </a:ln>
+        </p:spPr>
+        <p:style>
+          <a:lnRef idx="2">
+            <a:schemeClr val="accent1">
+              <a:shade val="50000"/>
+            </a:schemeClr>
+          </a:lnRef>
+          <a:fillRef idx="1">
+            <a:schemeClr val="accent1"/>
+          </a:fillRef>
+          <a:effectRef idx="0">
+            <a:schemeClr val="accent1"/>
+          </a:effectRef>
+          <a:fontRef idx="minor">
+            <a:schemeClr val="lt1"/>
+          </a:fontRef>
+        </p:style>
+        <p:txBody>
+          <a:bodyPr wrap="square" rtlCol="0" anchor="ctr">
+            <a:noAutofit/>
+          </a:bodyPr>
+          <a:lstStyle/>
+          <a:p>
+            <a:pPr algn="ctr"/>
+            <a:endParaRPr lang="en-US" altLang="ko-KR" sz="600" b="1" dirty="0">
+              <a:solidFill>
+                <a:schemeClr val="tx1"/>
+              </a:solidFill>
+              <a:latin typeface="Arial" panose="020B0604020202020204" pitchFamily="34" charset="0"/>
+              <a:cs typeface="Arial" panose="020B0604020202020204" pitchFamily="34" charset="0"/>
+            </a:endParaRPr>
+          </a:p>
+          <a:p>
+            <a:pPr algn="ctr"/>
+            <a:endParaRPr lang="en-US" altLang="ko-KR" sz="600" b="1" dirty="0">
+              <a:solidFill>
+                <a:schemeClr val="tx1"/>
+              </a:solidFill>
+              <a:latin typeface="Arial" panose="020B0604020202020204" pitchFamily="34" charset="0"/>
+              <a:cs typeface="Arial" panose="020B0604020202020204" pitchFamily="34" charset="0"/>
+            </a:endParaRPr>
+          </a:p>
+          <a:p>
+            <a:pPr algn="ctr"/>
+            <a:endParaRPr lang="ko-KR" altLang="en-US" sz="825" b="1" dirty="0">
+              <a:solidFill>
+                <a:schemeClr val="tx1"/>
+              </a:solidFill>
+              <a:latin typeface="Arial" panose="020B0604020202020204" pitchFamily="34" charset="0"/>
+              <a:cs typeface="Arial" panose="020B0604020202020204" pitchFamily="34" charset="0"/>
+            </a:endParaRPr>
+          </a:p>
+        </p:txBody>
+      </p:sp>
+      <p:sp>
+        <p:nvSpPr>
+          <p:cNvPr id="32" name="직사각형 31"/>
+          <p:cNvSpPr/>
+          <p:nvPr/>
+        </p:nvSpPr>
+        <p:spPr>
+          <a:xfrm>
+            <a:off x="6768829" y="2595468"/>
+            <a:ext cx="1563566" cy="285564"/>
+          </a:xfrm>
+          <a:prstGeom prst="rect">
+            <a:avLst/>
+          </a:prstGeom>
+          <a:noFill/>
+          <a:ln w="6350">
+            <a:solidFill>
+              <a:schemeClr val="tx1"/>
+            </a:solidFill>
+          </a:ln>
+        </p:spPr>
+        <p:style>
+          <a:lnRef idx="2">
+            <a:schemeClr val="accent1">
+              <a:shade val="50000"/>
+            </a:schemeClr>
+          </a:lnRef>
+          <a:fillRef idx="1">
+            <a:schemeClr val="accent1"/>
+          </a:fillRef>
+          <a:effectRef idx="0">
+            <a:schemeClr val="accent1"/>
+          </a:effectRef>
+          <a:fontRef idx="minor">
+            <a:schemeClr val="lt1"/>
+          </a:fontRef>
+        </p:style>
+        <p:txBody>
+          <a:bodyPr rtlCol="0" anchor="ctr"/>
+          <a:lstStyle/>
+          <a:p>
+            <a:pPr algn="ctr"/>
+            <a:endParaRPr lang="ko-KR" altLang="en-US" sz="825" b="1" dirty="0">
+              <a:solidFill>
+                <a:schemeClr val="tx1"/>
+              </a:solidFill>
+              <a:latin typeface="Arial" panose="020B0604020202020204" pitchFamily="34" charset="0"/>
+              <a:cs typeface="Arial" panose="020B0604020202020204" pitchFamily="34" charset="0"/>
+            </a:endParaRPr>
+          </a:p>
+        </p:txBody>
+      </p:sp>
+      <p:cxnSp>
+        <p:nvCxnSpPr>
+          <p:cNvPr id="28" name="직선 연결선 27"/>
+          <p:cNvCxnSpPr/>
+          <p:nvPr/>
+        </p:nvCxnSpPr>
+        <p:spPr>
+          <a:xfrm flipV="1">
+            <a:off x="4021611" y="2207131"/>
+            <a:ext cx="0" cy="3780436"/>
+          </a:xfrm>
+          <a:prstGeom prst="line">
+            <a:avLst/>
+          </a:prstGeom>
+          <a:ln w="12700">
+            <a:solidFill>
+              <a:schemeClr val="tx1"/>
+            </a:solidFill>
+          </a:ln>
+        </p:spPr>
+        <p:style>
+          <a:lnRef idx="1">
+            <a:schemeClr val="accent1"/>
+          </a:lnRef>
+          <a:fillRef idx="0">
+            <a:schemeClr val="accent1"/>
+          </a:fillRef>
+          <a:effectRef idx="0">
+            <a:schemeClr val="accent1"/>
+          </a:effectRef>
+          <a:fontRef idx="minor">
+            <a:schemeClr val="tx1"/>
+          </a:fontRef>
+        </p:style>
+      </p:cxnSp>
+      <p:cxnSp>
+        <p:nvCxnSpPr>
+          <p:cNvPr id="29" name="직선 연결선 28"/>
+          <p:cNvCxnSpPr/>
+          <p:nvPr/>
+        </p:nvCxnSpPr>
+        <p:spPr>
+          <a:xfrm>
+            <a:off x="5207351" y="2225111"/>
+            <a:ext cx="3059939" cy="0"/>
+          </a:xfrm>
+          <a:prstGeom prst="line">
+            <a:avLst/>
+          </a:prstGeom>
+          <a:ln w="12700">
+            <a:solidFill>
+              <a:schemeClr val="tx1"/>
+            </a:solidFill>
+            <a:prstDash val="dash"/>
+          </a:ln>
+        </p:spPr>
+        <p:style>
+          <a:lnRef idx="1">
+            <a:schemeClr val="accent1"/>
+          </a:lnRef>
+          <a:fillRef idx="0">
+            <a:schemeClr val="accent1"/>
+          </a:fillRef>
+          <a:effectRef idx="0">
+            <a:schemeClr val="accent1"/>
+          </a:effectRef>
+          <a:fontRef idx="minor">
+            <a:schemeClr val="tx1"/>
+          </a:fontRef>
+        </p:style>
+      </p:cxnSp>
+      <p:cxnSp>
+        <p:nvCxnSpPr>
+          <p:cNvPr id="6" name="직선 연결선 5"/>
+          <p:cNvCxnSpPr/>
+          <p:nvPr/>
+        </p:nvCxnSpPr>
+        <p:spPr>
+          <a:xfrm flipV="1">
+            <a:off x="7155765" y="4258505"/>
+            <a:ext cx="813" cy="1644686"/>
+          </a:xfrm>
+          <a:prstGeom prst="line">
+            <a:avLst/>
+          </a:prstGeom>
+          <a:ln>
+            <a:solidFill>
+              <a:schemeClr val="tx1"/>
+            </a:solidFill>
+          </a:ln>
+        </p:spPr>
+        <p:style>
+          <a:lnRef idx="1">
+            <a:schemeClr val="accent1"/>
+          </a:lnRef>
+          <a:fillRef idx="0">
+            <a:schemeClr val="accent1"/>
+          </a:fillRef>
+          <a:effectRef idx="0">
+            <a:schemeClr val="accent1"/>
+          </a:effectRef>
+          <a:fontRef idx="minor">
+            <a:schemeClr val="tx1"/>
+          </a:fontRef>
+        </p:style>
+      </p:cxnSp>
+      <p:sp>
+        <p:nvSpPr>
+          <p:cNvPr id="51" name="직사각형 50"/>
+          <p:cNvSpPr/>
+          <p:nvPr/>
+        </p:nvSpPr>
+        <p:spPr>
+          <a:xfrm>
+            <a:off x="5198096" y="2595468"/>
+            <a:ext cx="1563566" cy="285564"/>
+          </a:xfrm>
+          <a:prstGeom prst="rect">
+            <a:avLst/>
+          </a:prstGeom>
+          <a:noFill/>
+          <a:ln w="6350">
+            <a:solidFill>
+              <a:schemeClr val="tx1"/>
+            </a:solidFill>
+          </a:ln>
+        </p:spPr>
+        <p:style>
+          <a:lnRef idx="2">
+            <a:schemeClr val="accent1">
+              <a:shade val="50000"/>
+            </a:schemeClr>
+          </a:lnRef>
+          <a:fillRef idx="1">
+            <a:schemeClr val="accent1"/>
+          </a:fillRef>
+          <a:effectRef idx="0">
+            <a:schemeClr val="accent1"/>
+          </a:effectRef>
+          <a:fontRef idx="minor">
+            <a:schemeClr val="lt1"/>
+          </a:fontRef>
+        </p:style>
+        <p:txBody>
+          <a:bodyPr rtlCol="0" anchor="ctr"/>
+          <a:lstStyle/>
+          <a:p>
+            <a:pPr algn="ctr"/>
+            <a:endParaRPr lang="ko-KR" altLang="en-US" sz="825" b="1" dirty="0">
+              <a:solidFill>
+                <a:schemeClr val="tx1"/>
+              </a:solidFill>
+              <a:latin typeface="Arial" panose="020B0604020202020204" pitchFamily="34" charset="0"/>
+              <a:cs typeface="Arial" panose="020B0604020202020204" pitchFamily="34" charset="0"/>
+            </a:endParaRPr>
+          </a:p>
+        </p:txBody>
+      </p:sp>
+      <p:sp>
+        <p:nvSpPr>
+          <p:cNvPr id="52" name="자유형 51"/>
+          <p:cNvSpPr/>
+          <p:nvPr/>
+        </p:nvSpPr>
+        <p:spPr>
+          <a:xfrm>
+            <a:off x="6769823" y="2318501"/>
+            <a:ext cx="1566174" cy="278810"/>
+          </a:xfrm>
+          <a:custGeom>
+            <a:avLst/>
+            <a:gdLst>
+              <a:gd name="connsiteX0" fmla="*/ 783087 w 1566174"/>
+              <a:gd name="connsiteY0" fmla="*/ 0 h 278810"/>
+              <a:gd name="connsiteX1" fmla="*/ 1566174 w 1566174"/>
+              <a:gd name="connsiteY1" fmla="*/ 269887 h 278810"/>
+              <a:gd name="connsiteX2" fmla="*/ 1564103 w 1566174"/>
+              <a:gd name="connsiteY2" fmla="*/ 276967 h 278810"/>
+              <a:gd name="connsiteX3" fmla="*/ 2610 w 1566174"/>
+              <a:gd name="connsiteY3" fmla="*/ 276967 h 278810"/>
+              <a:gd name="connsiteX4" fmla="*/ 2610 w 1566174"/>
+              <a:gd name="connsiteY4" fmla="*/ 278810 h 278810"/>
+              <a:gd name="connsiteX5" fmla="*/ 0 w 1566174"/>
+              <a:gd name="connsiteY5" fmla="*/ 269887 h 278810"/>
+              <a:gd name="connsiteX6" fmla="*/ 783087 w 1566174"/>
+              <a:gd name="connsiteY6" fmla="*/ 0 h 278810"/>
+            </a:gdLst>
+            <a:ahLst/>
+            <a:cxnLst>
+              <a:cxn ang="0">
+                <a:pos x="connsiteX0" y="connsiteY0"/>
+              </a:cxn>
+              <a:cxn ang="0">
+                <a:pos x="connsiteX1" y="connsiteY1"/>
+              </a:cxn>
+              <a:cxn ang="0">
+                <a:pos x="connsiteX2" y="connsiteY2"/>
+              </a:cxn>
+              <a:cxn ang="0">
+                <a:pos x="connsiteX3" y="connsiteY3"/>
+              </a:cxn>
+              <a:cxn ang="0">
+                <a:pos x="connsiteX4" y="connsiteY4"/>
+              </a:cxn>
+              <a:cxn ang="0">
+                <a:pos x="connsiteX5" y="connsiteY5"/>
+              </a:cxn>
+              <a:cxn ang="0">
+                <a:pos x="connsiteX6" y="connsiteY6"/>
+              </a:cxn>
+            </a:cxnLst>
+            <a:rect l="l" t="t" r="r" b="b"/>
+            <a:pathLst>
+              <a:path w="1566174" h="278810">
+                <a:moveTo>
+                  <a:pt x="783087" y="0"/>
+                </a:moveTo>
+                <a:cubicBezTo>
+                  <a:pt x="1215574" y="0"/>
+                  <a:pt x="1566174" y="120833"/>
+                  <a:pt x="1566174" y="269887"/>
+                </a:cubicBezTo>
+                <a:lnTo>
+                  <a:pt x="1564103" y="276967"/>
+                </a:lnTo>
+                <a:lnTo>
+                  <a:pt x="2610" y="276967"/>
+                </a:lnTo>
+                <a:lnTo>
+                  <a:pt x="2610" y="278810"/>
+                </a:lnTo>
+                <a:lnTo>
+                  <a:pt x="0" y="269887"/>
+                </a:lnTo>
+                <a:cubicBezTo>
+                  <a:pt x="0" y="120833"/>
+                  <a:pt x="350600" y="0"/>
+                  <a:pt x="783087" y="0"/>
+                </a:cubicBezTo>
+                <a:close/>
+              </a:path>
+            </a:pathLst>
+          </a:custGeom>
+          <a:noFill/>
+          <a:ln w="6350">
+            <a:solidFill>
+              <a:schemeClr val="tx1"/>
+            </a:solidFill>
+          </a:ln>
+        </p:spPr>
+        <p:style>
+          <a:lnRef idx="2">
+            <a:schemeClr val="accent1">
+              <a:shade val="50000"/>
+            </a:schemeClr>
+          </a:lnRef>
+          <a:fillRef idx="1">
+            <a:schemeClr val="accent1"/>
+          </a:fillRef>
+          <a:effectRef idx="0">
+            <a:schemeClr val="accent1"/>
+          </a:effectRef>
+          <a:fontRef idx="minor">
+            <a:schemeClr val="lt1"/>
+          </a:fontRef>
+        </p:style>
+        <p:txBody>
+          <a:bodyPr wrap="square" rtlCol="0" anchor="ctr">
+            <a:noAutofit/>
+          </a:bodyPr>
+          <a:lstStyle/>
+          <a:p>
+            <a:pPr algn="ctr"/>
+            <a:endParaRPr lang="en-US" altLang="ko-KR" sz="600" b="1" dirty="0">
+              <a:solidFill>
+                <a:schemeClr val="tx1"/>
+              </a:solidFill>
+              <a:latin typeface="Arial" panose="020B0604020202020204" pitchFamily="34" charset="0"/>
+              <a:cs typeface="Arial" panose="020B0604020202020204" pitchFamily="34" charset="0"/>
+            </a:endParaRPr>
+          </a:p>
+          <a:p>
+            <a:pPr algn="ctr"/>
+            <a:endParaRPr lang="en-US" altLang="ko-KR" sz="600" b="1" dirty="0">
+              <a:solidFill>
+                <a:schemeClr val="tx1"/>
+              </a:solidFill>
+              <a:latin typeface="Arial" panose="020B0604020202020204" pitchFamily="34" charset="0"/>
+              <a:cs typeface="Arial" panose="020B0604020202020204" pitchFamily="34" charset="0"/>
+            </a:endParaRPr>
+          </a:p>
+          <a:p>
+            <a:pPr algn="ctr"/>
+            <a:endParaRPr lang="ko-KR" altLang="en-US" sz="825" b="1" dirty="0">
+              <a:solidFill>
+                <a:schemeClr val="tx1"/>
+              </a:solidFill>
+              <a:latin typeface="Arial" panose="020B0604020202020204" pitchFamily="34" charset="0"/>
+              <a:cs typeface="Arial" panose="020B0604020202020204" pitchFamily="34" charset="0"/>
+            </a:endParaRPr>
+          </a:p>
+        </p:txBody>
+      </p:sp>
+      <mc:AlternateContent xmlns:mc="http://schemas.openxmlformats.org/markup-compatibility/2006" xmlns:a14="http://schemas.microsoft.com/office/drawing/2010/main">
+        <mc:Choice Requires="a14">
+          <p:sp>
+            <p:nvSpPr>
+              <p:cNvPr id="53" name="TextBox 52"/>
+              <p:cNvSpPr txBox="1"/>
+              <p:nvPr/>
+            </p:nvSpPr>
+            <p:spPr>
+              <a:xfrm>
+                <a:off x="7172631" y="969583"/>
+                <a:ext cx="2517322" cy="307777"/>
+              </a:xfrm>
+              <a:prstGeom prst="rect">
+                <a:avLst/>
+              </a:prstGeom>
+              <a:noFill/>
+            </p:spPr>
+            <p:txBody>
+              <a:bodyPr wrap="square" rtlCol="0">
+                <a:spAutoFit/>
+              </a:bodyPr>
+              <a:lstStyle/>
+              <a:p>
+                <a:r>
+                  <a:rPr lang="en-US" altLang="ko-KR" sz="1400" dirty="0" smtClean="0">
+                    <a:latin typeface="Calibri" panose="020F0502020204030204" pitchFamily="34" charset="0"/>
+                    <a:cs typeface="Calibri" panose="020F0502020204030204" pitchFamily="34" charset="0"/>
+                  </a:rPr>
+                  <a:t>oblique plane source (</a:t>
+                </a:r>
+                <a14:m>
+                  <m:oMath xmlns:m="http://schemas.openxmlformats.org/officeDocument/2006/math">
+                    <m:sSub>
+                      <m:sSubPr>
+                        <m:ctrlPr>
+                          <a:rPr lang="en-US" altLang="ko-KR" sz="1400" b="0" i="1" smtClean="0">
+                            <a:latin typeface="Cambria Math" panose="02040503050406030204" pitchFamily="18" charset="0"/>
+                          </a:rPr>
+                        </m:ctrlPr>
+                      </m:sSubPr>
+                      <m:e>
+                        <m:r>
+                          <a:rPr lang="en-US" altLang="ko-KR" sz="1400" b="0" i="1" smtClean="0">
+                            <a:latin typeface="Cambria Math" panose="02040503050406030204" pitchFamily="18" charset="0"/>
+                          </a:rPr>
+                          <m:t>𝜃</m:t>
+                        </m:r>
+                      </m:e>
+                      <m:sub>
+                        <m:r>
+                          <a:rPr lang="en-US" altLang="ko-KR" sz="1400" b="0" i="1" smtClean="0">
+                            <a:latin typeface="Cambria Math" panose="02040503050406030204" pitchFamily="18" charset="0"/>
+                          </a:rPr>
+                          <m:t>𝑖</m:t>
+                        </m:r>
+                      </m:sub>
+                    </m:sSub>
+                    <m:r>
+                      <a:rPr lang="en-US" altLang="ko-KR" sz="1400" b="0" i="1" smtClean="0">
+                        <a:latin typeface="Cambria Math" panose="02040503050406030204" pitchFamily="18" charset="0"/>
+                      </a:rPr>
+                      <m:t>=33</m:t>
+                    </m:r>
+                    <m:r>
+                      <a:rPr lang="en-US" altLang="ko-KR" sz="1400" b="0" i="1" smtClean="0">
+                        <a:latin typeface="Cambria Math" panose="02040503050406030204" pitchFamily="18" charset="0"/>
+                        <a:ea typeface="Cambria Math" panose="02040503050406030204" pitchFamily="18" charset="0"/>
+                      </a:rPr>
+                      <m:t>°</m:t>
+                    </m:r>
+                  </m:oMath>
+                </a14:m>
+                <a:r>
+                  <a:rPr lang="ko-KR" altLang="en-US" sz="1400" dirty="0" smtClean="0">
+                    <a:latin typeface="Calibri" panose="020F0502020204030204" pitchFamily="34" charset="0"/>
+                    <a:cs typeface="Calibri" panose="020F0502020204030204" pitchFamily="34" charset="0"/>
+                  </a:rPr>
+                  <a:t> </a:t>
+                </a:r>
+                <a:r>
+                  <a:rPr lang="en-US" altLang="ko-KR" sz="1400" dirty="0" smtClean="0">
+                    <a:latin typeface="Calibri" panose="020F0502020204030204" pitchFamily="34" charset="0"/>
+                    <a:cs typeface="Calibri" panose="020F0502020204030204" pitchFamily="34" charset="0"/>
+                  </a:rPr>
+                  <a:t>)</a:t>
+                </a:r>
+                <a:endParaRPr lang="ko-KR" altLang="en-US" sz="1400" dirty="0">
+                  <a:latin typeface="Calibri" panose="020F0502020204030204" pitchFamily="34" charset="0"/>
+                  <a:cs typeface="Calibri" panose="020F0502020204030204" pitchFamily="34" charset="0"/>
+                </a:endParaRPr>
+              </a:p>
+            </p:txBody>
+          </p:sp>
+        </mc:Choice>
+        <mc:Fallback xmlns="">
+          <p:sp>
+            <p:nvSpPr>
+              <p:cNvPr id="53" name="TextBox 52"/>
+              <p:cNvSpPr txBox="1">
+                <a:spLocks noRot="1" noChangeAspect="1" noMove="1" noResize="1" noEditPoints="1" noAdjustHandles="1" noChangeArrowheads="1" noChangeShapeType="1" noTextEdit="1"/>
+              </p:cNvSpPr>
+              <p:nvPr/>
+            </p:nvSpPr>
+            <p:spPr>
+              <a:xfrm>
+                <a:off x="7172631" y="969583"/>
+                <a:ext cx="2517322" cy="307777"/>
+              </a:xfrm>
+              <a:prstGeom prst="rect">
+                <a:avLst/>
+              </a:prstGeom>
+              <a:blipFill>
+                <a:blip r:embed="rId5"/>
+                <a:stretch>
+                  <a:fillRect l="-726" t="-3922" r="-2906" b="-19608"/>
+                </a:stretch>
+              </a:blipFill>
+            </p:spPr>
+            <p:txBody>
+              <a:bodyPr/>
+              <a:lstStyle/>
+              <a:p>
+                <a:r>
+                  <a:rPr lang="ko-KR" altLang="en-US">
+                    <a:noFill/>
+                  </a:rPr>
+                  <a:t> </a:t>
+                </a:r>
+              </a:p>
+            </p:txBody>
+          </p:sp>
+        </mc:Fallback>
+      </mc:AlternateContent>
+      <p:sp>
+        <p:nvSpPr>
+          <p:cNvPr id="58" name="직사각형 57"/>
+          <p:cNvSpPr/>
+          <p:nvPr/>
+        </p:nvSpPr>
+        <p:spPr>
+          <a:xfrm>
+            <a:off x="8135390" y="3195301"/>
+            <a:ext cx="362600" cy="307777"/>
+          </a:xfrm>
+          <a:prstGeom prst="rect">
+            <a:avLst/>
+          </a:prstGeom>
+        </p:spPr>
+        <p:txBody>
+          <a:bodyPr wrap="none">
+            <a:spAutoFit/>
+          </a:bodyPr>
+          <a:lstStyle/>
+          <a:p>
+            <a:r>
+              <a:rPr lang="en-US" altLang="ko-KR" sz="1400" dirty="0" smtClean="0">
+                <a:latin typeface="Calibri" panose="020F0502020204030204" pitchFamily="34" charset="0"/>
+                <a:cs typeface="Calibri" panose="020F0502020204030204" pitchFamily="34" charset="0"/>
+              </a:rPr>
+              <a:t>CF</a:t>
+            </a:r>
+            <a:endParaRPr lang="en-US" altLang="ko-KR" sz="1400" dirty="0" smtClean="0">
+              <a:latin typeface="Calibri" panose="020F0502020204030204" pitchFamily="34" charset="0"/>
+              <a:cs typeface="Calibri" panose="020F0502020204030204" pitchFamily="34" charset="0"/>
+            </a:endParaRPr>
+          </a:p>
+        </p:txBody>
+      </p:sp>
+      <p:sp>
+        <p:nvSpPr>
+          <p:cNvPr id="60" name="직사각형 59"/>
+          <p:cNvSpPr/>
+          <p:nvPr/>
+        </p:nvSpPr>
+        <p:spPr>
+          <a:xfrm>
+            <a:off x="8709877" y="2225111"/>
+            <a:ext cx="413896" cy="307777"/>
+          </a:xfrm>
+          <a:prstGeom prst="rect">
+            <a:avLst/>
+          </a:prstGeom>
+        </p:spPr>
+        <p:txBody>
+          <a:bodyPr wrap="none">
+            <a:spAutoFit/>
+          </a:bodyPr>
+          <a:lstStyle/>
+          <a:p>
+            <a:r>
+              <a:rPr lang="en-US" altLang="ko-KR" sz="1400" dirty="0" smtClean="0">
+                <a:latin typeface="Calibri" panose="020F0502020204030204" pitchFamily="34" charset="0"/>
+                <a:cs typeface="Calibri" panose="020F0502020204030204" pitchFamily="34" charset="0"/>
+              </a:rPr>
+              <a:t>ML</a:t>
+            </a:r>
+            <a:endParaRPr lang="en-US" altLang="ko-KR" sz="1400" dirty="0" smtClean="0">
+              <a:latin typeface="Calibri" panose="020F0502020204030204" pitchFamily="34" charset="0"/>
+              <a:cs typeface="Calibri" panose="020F0502020204030204" pitchFamily="34" charset="0"/>
+            </a:endParaRPr>
+          </a:p>
+        </p:txBody>
+      </p:sp>
+      <p:cxnSp>
+        <p:nvCxnSpPr>
+          <p:cNvPr id="62" name="직선 화살표 연결선 61"/>
+          <p:cNvCxnSpPr>
+            <a:stCxn id="60" idx="1"/>
+          </p:cNvCxnSpPr>
+          <p:nvPr/>
+        </p:nvCxnSpPr>
+        <p:spPr>
+          <a:xfrm flipH="1">
+            <a:off x="6488745" y="2379000"/>
+            <a:ext cx="2221132" cy="87115"/>
+          </a:xfrm>
+          <a:prstGeom prst="straightConnector1">
+            <a:avLst/>
+          </a:prstGeom>
+          <a:ln>
+            <a:tailEnd type="triangle"/>
+          </a:ln>
+        </p:spPr>
+        <p:style>
+          <a:lnRef idx="1">
+            <a:schemeClr val="dk1"/>
+          </a:lnRef>
+          <a:fillRef idx="0">
+            <a:schemeClr val="dk1"/>
+          </a:fillRef>
+          <a:effectRef idx="0">
+            <a:schemeClr val="dk1"/>
+          </a:effectRef>
+          <a:fontRef idx="minor">
+            <a:schemeClr val="tx1"/>
+          </a:fontRef>
+        </p:style>
+      </p:cxnSp>
+      <p:cxnSp>
+        <p:nvCxnSpPr>
+          <p:cNvPr id="63" name="직선 화살표 연결선 62"/>
+          <p:cNvCxnSpPr>
+            <a:stCxn id="60" idx="1"/>
+          </p:cNvCxnSpPr>
+          <p:nvPr/>
+        </p:nvCxnSpPr>
+        <p:spPr>
+          <a:xfrm flipH="1">
+            <a:off x="7829312" y="2379000"/>
+            <a:ext cx="880565" cy="127053"/>
+          </a:xfrm>
+          <a:prstGeom prst="straightConnector1">
+            <a:avLst/>
+          </a:prstGeom>
+          <a:ln>
+            <a:tailEnd type="triangle"/>
+          </a:ln>
+        </p:spPr>
+        <p:style>
+          <a:lnRef idx="1">
+            <a:schemeClr val="dk1"/>
+          </a:lnRef>
+          <a:fillRef idx="0">
+            <a:schemeClr val="dk1"/>
+          </a:fillRef>
+          <a:effectRef idx="0">
+            <a:schemeClr val="dk1"/>
+          </a:effectRef>
+          <a:fontRef idx="minor">
+            <a:schemeClr val="tx1"/>
+          </a:fontRef>
+        </p:style>
+      </p:cxnSp>
+      <p:cxnSp>
+        <p:nvCxnSpPr>
+          <p:cNvPr id="79" name="직선 화살표 연결선 78"/>
+          <p:cNvCxnSpPr>
+            <a:stCxn id="58" idx="1"/>
+          </p:cNvCxnSpPr>
+          <p:nvPr/>
+        </p:nvCxnSpPr>
+        <p:spPr>
+          <a:xfrm flipH="1" flipV="1">
+            <a:off x="5496346" y="3317060"/>
+            <a:ext cx="2639044" cy="32130"/>
+          </a:xfrm>
+          <a:prstGeom prst="straightConnector1">
+            <a:avLst/>
+          </a:prstGeom>
+          <a:ln>
+            <a:tailEnd type="triangle"/>
+          </a:ln>
+        </p:spPr>
+        <p:style>
+          <a:lnRef idx="1">
+            <a:schemeClr val="dk1"/>
+          </a:lnRef>
+          <a:fillRef idx="0">
+            <a:schemeClr val="dk1"/>
+          </a:fillRef>
+          <a:effectRef idx="0">
+            <a:schemeClr val="dk1"/>
+          </a:effectRef>
+          <a:fontRef idx="minor">
+            <a:schemeClr val="tx1"/>
+          </a:fontRef>
+        </p:style>
+      </p:cxnSp>
+      <p:cxnSp>
+        <p:nvCxnSpPr>
+          <p:cNvPr id="82" name="직선 화살표 연결선 81"/>
+          <p:cNvCxnSpPr>
+            <a:stCxn id="58" idx="1"/>
+          </p:cNvCxnSpPr>
+          <p:nvPr/>
+        </p:nvCxnSpPr>
+        <p:spPr>
+          <a:xfrm flipH="1">
+            <a:off x="7000669" y="3349190"/>
+            <a:ext cx="1134721" cy="218267"/>
+          </a:xfrm>
+          <a:prstGeom prst="straightConnector1">
+            <a:avLst/>
+          </a:prstGeom>
+          <a:ln>
+            <a:tailEnd type="triangle"/>
+          </a:ln>
+        </p:spPr>
+        <p:style>
+          <a:lnRef idx="1">
+            <a:schemeClr val="dk1"/>
+          </a:lnRef>
+          <a:fillRef idx="0">
+            <a:schemeClr val="dk1"/>
+          </a:fillRef>
+          <a:effectRef idx="0">
+            <a:schemeClr val="dk1"/>
+          </a:effectRef>
+          <a:fontRef idx="minor">
+            <a:schemeClr val="tx1"/>
+          </a:fontRef>
+        </p:style>
+      </p:cxnSp>
+      <p:sp>
+        <p:nvSpPr>
+          <p:cNvPr id="87" name="직사각형 86"/>
+          <p:cNvSpPr/>
+          <p:nvPr/>
+        </p:nvSpPr>
+        <p:spPr>
+          <a:xfrm>
+            <a:off x="8825967" y="4092765"/>
+            <a:ext cx="426335" cy="307777"/>
+          </a:xfrm>
+          <a:prstGeom prst="rect">
+            <a:avLst/>
+          </a:prstGeom>
+        </p:spPr>
+        <p:txBody>
+          <a:bodyPr wrap="none">
+            <a:spAutoFit/>
+          </a:bodyPr>
+          <a:lstStyle/>
+          <a:p>
+            <a:r>
+              <a:rPr lang="en-US" altLang="ko-KR" sz="1400" dirty="0" smtClean="0">
+                <a:latin typeface="Calibri" panose="020F0502020204030204" pitchFamily="34" charset="0"/>
+                <a:cs typeface="Calibri" panose="020F0502020204030204" pitchFamily="34" charset="0"/>
+              </a:rPr>
+              <a:t>DTI</a:t>
+            </a:r>
+            <a:endParaRPr lang="en-US" altLang="ko-KR" sz="1400" dirty="0" smtClean="0">
+              <a:latin typeface="Calibri" panose="020F0502020204030204" pitchFamily="34" charset="0"/>
+              <a:cs typeface="Calibri" panose="020F0502020204030204" pitchFamily="34" charset="0"/>
+            </a:endParaRPr>
+          </a:p>
+        </p:txBody>
+      </p:sp>
+      <p:cxnSp>
+        <p:nvCxnSpPr>
+          <p:cNvPr id="88" name="직선 화살표 연결선 87"/>
+          <p:cNvCxnSpPr>
+            <a:stCxn id="87" idx="1"/>
+          </p:cNvCxnSpPr>
+          <p:nvPr/>
+        </p:nvCxnSpPr>
+        <p:spPr>
+          <a:xfrm flipH="1">
+            <a:off x="7084977" y="4246654"/>
+            <a:ext cx="1740990" cy="68297"/>
+          </a:xfrm>
+          <a:prstGeom prst="straightConnector1">
+            <a:avLst/>
+          </a:prstGeom>
+          <a:ln>
+            <a:tailEnd type="triangle"/>
+          </a:ln>
+        </p:spPr>
+        <p:style>
+          <a:lnRef idx="1">
+            <a:schemeClr val="dk1"/>
+          </a:lnRef>
+          <a:fillRef idx="0">
+            <a:schemeClr val="dk1"/>
+          </a:fillRef>
+          <a:effectRef idx="0">
+            <a:schemeClr val="dk1"/>
+          </a:effectRef>
+          <a:fontRef idx="minor">
+            <a:schemeClr val="tx1"/>
+          </a:fontRef>
+        </p:style>
+      </p:cxnSp>
+      <p:sp>
+        <p:nvSpPr>
+          <p:cNvPr id="91" name="직사각형 90"/>
+          <p:cNvSpPr/>
+          <p:nvPr/>
+        </p:nvSpPr>
+        <p:spPr>
+          <a:xfrm>
+            <a:off x="8258638" y="5085163"/>
+            <a:ext cx="388248" cy="307777"/>
+          </a:xfrm>
+          <a:prstGeom prst="rect">
+            <a:avLst/>
+          </a:prstGeom>
+        </p:spPr>
+        <p:txBody>
+          <a:bodyPr wrap="none">
+            <a:spAutoFit/>
+          </a:bodyPr>
+          <a:lstStyle/>
+          <a:p>
+            <a:r>
+              <a:rPr lang="en-US" altLang="ko-KR" sz="1400" dirty="0" smtClean="0">
+                <a:latin typeface="Calibri" panose="020F0502020204030204" pitchFamily="34" charset="0"/>
+                <a:cs typeface="Calibri" panose="020F0502020204030204" pitchFamily="34" charset="0"/>
+              </a:rPr>
+              <a:t>PD</a:t>
+            </a:r>
+            <a:endParaRPr lang="en-US" altLang="ko-KR" sz="1400" dirty="0" smtClean="0">
+              <a:latin typeface="Calibri" panose="020F0502020204030204" pitchFamily="34" charset="0"/>
+              <a:cs typeface="Calibri" panose="020F0502020204030204" pitchFamily="34" charset="0"/>
+            </a:endParaRPr>
+          </a:p>
+        </p:txBody>
+      </p:sp>
+      <p:cxnSp>
+        <p:nvCxnSpPr>
+          <p:cNvPr id="92" name="직선 화살표 연결선 91"/>
+          <p:cNvCxnSpPr>
+            <a:stCxn id="91" idx="1"/>
+          </p:cNvCxnSpPr>
+          <p:nvPr/>
+        </p:nvCxnSpPr>
+        <p:spPr>
+          <a:xfrm flipH="1" flipV="1">
+            <a:off x="6547900" y="5045548"/>
+            <a:ext cx="1710738" cy="193504"/>
+          </a:xfrm>
+          <a:prstGeom prst="straightConnector1">
+            <a:avLst/>
+          </a:prstGeom>
+          <a:ln>
+            <a:tailEnd type="triangle"/>
+          </a:ln>
+        </p:spPr>
+        <p:style>
+          <a:lnRef idx="1">
+            <a:schemeClr val="dk1"/>
+          </a:lnRef>
+          <a:fillRef idx="0">
+            <a:schemeClr val="dk1"/>
+          </a:fillRef>
+          <a:effectRef idx="0">
+            <a:schemeClr val="dk1"/>
+          </a:effectRef>
+          <a:fontRef idx="minor">
+            <a:schemeClr val="tx1"/>
+          </a:fontRef>
+        </p:style>
+      </p:cxnSp>
+      <p:cxnSp>
+        <p:nvCxnSpPr>
+          <p:cNvPr id="95" name="직선 화살표 연결선 94"/>
+          <p:cNvCxnSpPr>
+            <a:stCxn id="91" idx="1"/>
+          </p:cNvCxnSpPr>
+          <p:nvPr/>
+        </p:nvCxnSpPr>
+        <p:spPr>
+          <a:xfrm flipH="1">
+            <a:off x="4975888" y="5239052"/>
+            <a:ext cx="3282750" cy="125169"/>
+          </a:xfrm>
+          <a:prstGeom prst="straightConnector1">
+            <a:avLst/>
+          </a:prstGeom>
+          <a:ln>
+            <a:tailEnd type="triangle"/>
+          </a:ln>
+        </p:spPr>
+        <p:style>
+          <a:lnRef idx="1">
+            <a:schemeClr val="dk1"/>
+          </a:lnRef>
+          <a:fillRef idx="0">
+            <a:schemeClr val="dk1"/>
+          </a:fillRef>
+          <a:effectRef idx="0">
+            <a:schemeClr val="dk1"/>
+          </a:effectRef>
+          <a:fontRef idx="minor">
+            <a:schemeClr val="tx1"/>
+          </a:fontRef>
+        </p:style>
+      </p:cxnSp>
+      <p:sp>
+        <p:nvSpPr>
+          <p:cNvPr id="78" name="직사각형 77"/>
+          <p:cNvSpPr/>
+          <p:nvPr/>
+        </p:nvSpPr>
+        <p:spPr>
+          <a:xfrm>
+            <a:off x="4015861" y="4111404"/>
+            <a:ext cx="1567801" cy="1796341"/>
+          </a:xfrm>
+          <a:prstGeom prst="rect">
+            <a:avLst/>
+          </a:prstGeom>
+          <a:noFill/>
+          <a:ln w="6350">
+            <a:solidFill>
+              <a:schemeClr val="tx1"/>
+            </a:solidFill>
+          </a:ln>
+        </p:spPr>
+        <p:style>
+          <a:lnRef idx="2">
+            <a:schemeClr val="accent1">
+              <a:shade val="50000"/>
+            </a:schemeClr>
+          </a:lnRef>
+          <a:fillRef idx="1">
+            <a:schemeClr val="accent1"/>
+          </a:fillRef>
+          <a:effectRef idx="0">
+            <a:schemeClr val="accent1"/>
+          </a:effectRef>
+          <a:fontRef idx="minor">
+            <a:schemeClr val="lt1"/>
+          </a:fontRef>
+        </p:style>
+        <p:txBody>
+          <a:bodyPr rtlCol="0" anchor="ctr"/>
+          <a:lstStyle/>
+          <a:p>
+            <a:pPr algn="ctr"/>
+            <a:endParaRPr lang="ko-KR" altLang="en-US" sz="825" b="1" dirty="0">
+              <a:latin typeface="Arial" panose="020B0604020202020204" pitchFamily="34" charset="0"/>
+              <a:cs typeface="Arial" panose="020B0604020202020204" pitchFamily="34" charset="0"/>
+            </a:endParaRPr>
+          </a:p>
+        </p:txBody>
+      </p:sp>
+      <p:sp>
+        <p:nvSpPr>
+          <p:cNvPr id="77" name="자유형 76"/>
+          <p:cNvSpPr/>
+          <p:nvPr/>
+        </p:nvSpPr>
+        <p:spPr>
+          <a:xfrm>
+            <a:off x="4021611" y="4099695"/>
+            <a:ext cx="123266" cy="1231175"/>
+          </a:xfrm>
+          <a:custGeom>
+            <a:avLst/>
+            <a:gdLst>
+              <a:gd name="connsiteX0" fmla="*/ 16462 w 123266"/>
+              <a:gd name="connsiteY0" fmla="*/ 0 h 1231175"/>
+              <a:gd name="connsiteX1" fmla="*/ 123266 w 123266"/>
+              <a:gd name="connsiteY1" fmla="*/ 1220781 h 1231175"/>
+              <a:gd name="connsiteX2" fmla="*/ 4461 w 123266"/>
+              <a:gd name="connsiteY2" fmla="*/ 1231175 h 1231175"/>
+              <a:gd name="connsiteX3" fmla="*/ 0 w 123266"/>
+              <a:gd name="connsiteY3" fmla="*/ 1180183 h 1231175"/>
+              <a:gd name="connsiteX4" fmla="*/ 0 w 123266"/>
+              <a:gd name="connsiteY4" fmla="*/ 1440 h 1231175"/>
+            </a:gdLst>
+            <a:ahLst/>
+            <a:cxnLst>
+              <a:cxn ang="0">
+                <a:pos x="connsiteX0" y="connsiteY0"/>
+              </a:cxn>
+              <a:cxn ang="0">
+                <a:pos x="connsiteX1" y="connsiteY1"/>
+              </a:cxn>
+              <a:cxn ang="0">
+                <a:pos x="connsiteX2" y="connsiteY2"/>
+              </a:cxn>
+              <a:cxn ang="0">
+                <a:pos x="connsiteX3" y="connsiteY3"/>
+              </a:cxn>
+              <a:cxn ang="0">
+                <a:pos x="connsiteX4" y="connsiteY4"/>
+              </a:cxn>
+            </a:cxnLst>
+            <a:rect l="l" t="t" r="r" b="b"/>
+            <a:pathLst>
+              <a:path w="123266" h="1231175">
+                <a:moveTo>
+                  <a:pt x="16462" y="0"/>
+                </a:moveTo>
+                <a:lnTo>
+                  <a:pt x="123266" y="1220781"/>
+                </a:lnTo>
+                <a:lnTo>
+                  <a:pt x="4461" y="1231175"/>
+                </a:lnTo>
+                <a:lnTo>
+                  <a:pt x="0" y="1180183"/>
+                </a:lnTo>
+                <a:lnTo>
+                  <a:pt x="0" y="1440"/>
+                </a:lnTo>
+                <a:close/>
+              </a:path>
+            </a:pathLst>
+          </a:custGeom>
+          <a:solidFill>
+            <a:schemeClr val="bg1">
+              <a:lumMod val="75000"/>
+            </a:schemeClr>
+          </a:solidFill>
+          <a:ln w="6350">
+            <a:solidFill>
+              <a:schemeClr val="tx1"/>
+            </a:solidFill>
+          </a:ln>
+        </p:spPr>
+        <p:style>
+          <a:lnRef idx="2">
+            <a:schemeClr val="accent1">
+              <a:shade val="50000"/>
+            </a:schemeClr>
+          </a:lnRef>
+          <a:fillRef idx="1">
+            <a:schemeClr val="accent1"/>
+          </a:fillRef>
+          <a:effectRef idx="0">
+            <a:schemeClr val="accent1"/>
+          </a:effectRef>
+          <a:fontRef idx="minor">
+            <a:schemeClr val="lt1"/>
+          </a:fontRef>
+        </p:style>
+        <p:txBody>
+          <a:bodyPr wrap="square" rtlCol="0" anchor="ctr">
+            <a:noAutofit/>
+          </a:bodyPr>
+          <a:lstStyle/>
+          <a:p>
+            <a:pPr algn="ctr"/>
+            <a:endParaRPr lang="ko-KR" altLang="en-US" sz="825" b="1" dirty="0">
+              <a:latin typeface="Arial" panose="020B0604020202020204" pitchFamily="34" charset="0"/>
+              <a:cs typeface="Arial" panose="020B0604020202020204" pitchFamily="34" charset="0"/>
+            </a:endParaRPr>
+          </a:p>
+        </p:txBody>
+      </p:sp>
+      <p:sp>
+        <p:nvSpPr>
+          <p:cNvPr id="83" name="직사각형 82"/>
+          <p:cNvSpPr/>
+          <p:nvPr/>
+        </p:nvSpPr>
+        <p:spPr>
+          <a:xfrm>
+            <a:off x="5588777" y="4111404"/>
+            <a:ext cx="1567801" cy="1796341"/>
+          </a:xfrm>
+          <a:prstGeom prst="rect">
+            <a:avLst/>
+          </a:prstGeom>
+          <a:noFill/>
+          <a:ln w="6350">
+            <a:solidFill>
+              <a:schemeClr val="tx1"/>
+            </a:solidFill>
+          </a:ln>
+        </p:spPr>
+        <p:style>
+          <a:lnRef idx="2">
+            <a:schemeClr val="accent1">
+              <a:shade val="50000"/>
+            </a:schemeClr>
+          </a:lnRef>
+          <a:fillRef idx="1">
+            <a:schemeClr val="accent1"/>
+          </a:fillRef>
+          <a:effectRef idx="0">
+            <a:schemeClr val="accent1"/>
+          </a:effectRef>
+          <a:fontRef idx="minor">
+            <a:schemeClr val="lt1"/>
+          </a:fontRef>
+        </p:style>
+        <p:txBody>
+          <a:bodyPr rtlCol="0" anchor="ctr"/>
+          <a:lstStyle/>
+          <a:p>
+            <a:pPr algn="ctr"/>
+            <a:endParaRPr lang="ko-KR" altLang="en-US" sz="825" b="1" dirty="0">
+              <a:latin typeface="Arial" panose="020B0604020202020204" pitchFamily="34" charset="0"/>
+              <a:cs typeface="Arial" panose="020B0604020202020204" pitchFamily="34" charset="0"/>
+            </a:endParaRPr>
+          </a:p>
+        </p:txBody>
+      </p:sp>
+      <p:cxnSp>
+        <p:nvCxnSpPr>
+          <p:cNvPr id="84" name="직선 연결선 83"/>
+          <p:cNvCxnSpPr/>
+          <p:nvPr/>
+        </p:nvCxnSpPr>
+        <p:spPr>
+          <a:xfrm flipV="1">
+            <a:off x="5589806" y="3939087"/>
+            <a:ext cx="0" cy="1715628"/>
+          </a:xfrm>
+          <a:prstGeom prst="line">
+            <a:avLst/>
+          </a:prstGeom>
+          <a:ln w="12700">
+            <a:solidFill>
+              <a:schemeClr val="tx1"/>
+            </a:solidFill>
+          </a:ln>
+        </p:spPr>
+        <p:style>
+          <a:lnRef idx="1">
+            <a:schemeClr val="accent1"/>
+          </a:lnRef>
+          <a:fillRef idx="0">
+            <a:schemeClr val="accent1"/>
+          </a:fillRef>
+          <a:effectRef idx="0">
+            <a:schemeClr val="accent1"/>
+          </a:effectRef>
+          <a:fontRef idx="minor">
+            <a:schemeClr val="tx1"/>
+          </a:fontRef>
+        </p:style>
+      </p:cxnSp>
+      <p:cxnSp>
+        <p:nvCxnSpPr>
+          <p:cNvPr id="86" name="직선 화살표 연결선 85"/>
+          <p:cNvCxnSpPr/>
+          <p:nvPr/>
+        </p:nvCxnSpPr>
+        <p:spPr>
+          <a:xfrm flipH="1" flipV="1">
+            <a:off x="5584692" y="4627582"/>
+            <a:ext cx="81548" cy="1008138"/>
+          </a:xfrm>
+          <a:prstGeom prst="straightConnector1">
+            <a:avLst/>
+          </a:prstGeom>
+          <a:ln w="9525">
+            <a:solidFill>
+              <a:schemeClr val="tx1"/>
+            </a:solidFill>
+            <a:tailEnd type="triangle"/>
+          </a:ln>
+        </p:spPr>
+        <p:style>
+          <a:lnRef idx="1">
+            <a:schemeClr val="accent1"/>
+          </a:lnRef>
+          <a:fillRef idx="0">
+            <a:schemeClr val="accent1"/>
+          </a:fillRef>
+          <a:effectRef idx="0">
+            <a:schemeClr val="accent1"/>
+          </a:effectRef>
+          <a:fontRef idx="minor">
+            <a:schemeClr val="tx1"/>
+          </a:fontRef>
+        </p:style>
+      </p:cxnSp>
+      <p:sp>
+        <p:nvSpPr>
+          <p:cNvPr id="89" name="원호 88"/>
+          <p:cNvSpPr/>
+          <p:nvPr/>
+        </p:nvSpPr>
+        <p:spPr>
+          <a:xfrm rot="8765413">
+            <a:off x="5493789" y="5150743"/>
+            <a:ext cx="399898" cy="282003"/>
+          </a:xfrm>
+          <a:prstGeom prst="arc">
+            <a:avLst>
+              <a:gd name="adj1" fmla="val 18912242"/>
+              <a:gd name="adj2" fmla="val 20506425"/>
+            </a:avLst>
+          </a:prstGeom>
+          <a:ln>
+            <a:solidFill>
+              <a:schemeClr val="tx1"/>
+            </a:solidFill>
+          </a:ln>
+        </p:spPr>
+        <p:style>
+          <a:lnRef idx="1">
+            <a:schemeClr val="accent1"/>
+          </a:lnRef>
+          <a:fillRef idx="0">
+            <a:schemeClr val="accent1"/>
+          </a:fillRef>
+          <a:effectRef idx="0">
+            <a:schemeClr val="accent1"/>
+          </a:effectRef>
+          <a:fontRef idx="minor">
+            <a:schemeClr val="tx1"/>
+          </a:fontRef>
+        </p:style>
+        <p:txBody>
+          <a:bodyPr rtlCol="0" anchor="ctr"/>
+          <a:lstStyle>
+            <a:defPPr>
+              <a:defRPr lang="ko-KR"/>
+            </a:defPPr>
+            <a:lvl1pPr marL="0" algn="l" defTabSz="914400" rtl="0" eaLnBrk="1" latinLnBrk="1" hangingPunct="1">
+              <a:defRPr sz="1800" kern="1200">
+                <a:solidFill>
+                  <a:schemeClr val="tx1"/>
+                </a:solidFill>
+                <a:latin typeface="+mn-lt"/>
+                <a:ea typeface="+mn-ea"/>
+                <a:cs typeface="+mn-cs"/>
+              </a:defRPr>
+            </a:lvl1pPr>
+            <a:lvl2pPr marL="457200" algn="l" defTabSz="914400" rtl="0" eaLnBrk="1" latinLnBrk="1" hangingPunct="1">
+              <a:defRPr sz="1800" kern="1200">
+                <a:solidFill>
+                  <a:schemeClr val="tx1"/>
+                </a:solidFill>
+                <a:latin typeface="+mn-lt"/>
+                <a:ea typeface="+mn-ea"/>
+                <a:cs typeface="+mn-cs"/>
+              </a:defRPr>
+            </a:lvl2pPr>
+            <a:lvl3pPr marL="914400" algn="l" defTabSz="914400" rtl="0" eaLnBrk="1" latinLnBrk="1" hangingPunct="1">
+              <a:defRPr sz="1800" kern="1200">
+                <a:solidFill>
+                  <a:schemeClr val="tx1"/>
+                </a:solidFill>
+                <a:latin typeface="+mn-lt"/>
+                <a:ea typeface="+mn-ea"/>
+                <a:cs typeface="+mn-cs"/>
+              </a:defRPr>
+            </a:lvl3pPr>
+            <a:lvl4pPr marL="1371600" algn="l" defTabSz="914400" rtl="0" eaLnBrk="1" latinLnBrk="1" hangingPunct="1">
+              <a:defRPr sz="1800" kern="1200">
+                <a:solidFill>
+                  <a:schemeClr val="tx1"/>
+                </a:solidFill>
+                <a:latin typeface="+mn-lt"/>
+                <a:ea typeface="+mn-ea"/>
+                <a:cs typeface="+mn-cs"/>
+              </a:defRPr>
+            </a:lvl4pPr>
+            <a:lvl5pPr marL="1828800" algn="l" defTabSz="914400" rtl="0" eaLnBrk="1" latinLnBrk="1" hangingPunct="1">
+              <a:defRPr sz="1800" kern="1200">
+                <a:solidFill>
+                  <a:schemeClr val="tx1"/>
+                </a:solidFill>
+                <a:latin typeface="+mn-lt"/>
+                <a:ea typeface="+mn-ea"/>
+                <a:cs typeface="+mn-cs"/>
+              </a:defRPr>
+            </a:lvl5pPr>
+            <a:lvl6pPr marL="2286000" algn="l" defTabSz="914400" rtl="0" eaLnBrk="1" latinLnBrk="1" hangingPunct="1">
+              <a:defRPr sz="1800" kern="1200">
+                <a:solidFill>
+                  <a:schemeClr val="tx1"/>
+                </a:solidFill>
+                <a:latin typeface="+mn-lt"/>
+                <a:ea typeface="+mn-ea"/>
+                <a:cs typeface="+mn-cs"/>
+              </a:defRPr>
+            </a:lvl6pPr>
+            <a:lvl7pPr marL="2743200" algn="l" defTabSz="914400" rtl="0" eaLnBrk="1" latinLnBrk="1" hangingPunct="1">
+              <a:defRPr sz="1800" kern="1200">
+                <a:solidFill>
+                  <a:schemeClr val="tx1"/>
+                </a:solidFill>
+                <a:latin typeface="+mn-lt"/>
+                <a:ea typeface="+mn-ea"/>
+                <a:cs typeface="+mn-cs"/>
+              </a:defRPr>
+            </a:lvl7pPr>
+            <a:lvl8pPr marL="3200400" algn="l" defTabSz="914400" rtl="0" eaLnBrk="1" latinLnBrk="1" hangingPunct="1">
+              <a:defRPr sz="1800" kern="1200">
+                <a:solidFill>
+                  <a:schemeClr val="tx1"/>
+                </a:solidFill>
+                <a:latin typeface="+mn-lt"/>
+                <a:ea typeface="+mn-ea"/>
+                <a:cs typeface="+mn-cs"/>
+              </a:defRPr>
+            </a:lvl8pPr>
+            <a:lvl9pPr marL="3657600" algn="l" defTabSz="914400" rtl="0" eaLnBrk="1" latinLnBrk="1" hangingPunct="1">
+              <a:defRPr sz="1800" kern="1200">
+                <a:solidFill>
+                  <a:schemeClr val="tx1"/>
+                </a:solidFill>
+                <a:latin typeface="+mn-lt"/>
+                <a:ea typeface="+mn-ea"/>
+                <a:cs typeface="+mn-cs"/>
+              </a:defRPr>
+            </a:lvl9pPr>
+          </a:lstStyle>
+          <a:p>
+            <a:pPr algn="ctr"/>
+            <a:endParaRPr lang="ko-KR" altLang="en-US"/>
+          </a:p>
+        </p:txBody>
+      </p:sp>
+      <mc:AlternateContent xmlns:mc="http://schemas.openxmlformats.org/markup-compatibility/2006" xmlns:a14="http://schemas.microsoft.com/office/drawing/2010/main">
+        <mc:Choice Requires="a14">
+          <p:sp>
+            <p:nvSpPr>
+              <p:cNvPr id="13" name="TextBox 12"/>
+              <p:cNvSpPr txBox="1"/>
+              <p:nvPr/>
+            </p:nvSpPr>
+            <p:spPr>
+              <a:xfrm>
+                <a:off x="5548021" y="5590321"/>
+                <a:ext cx="325730" cy="276999"/>
+              </a:xfrm>
+              <a:prstGeom prst="rect">
+                <a:avLst/>
+              </a:prstGeom>
+              <a:noFill/>
+            </p:spPr>
+            <p:txBody>
+              <a:bodyPr wrap="none" lIns="0" tIns="0" rIns="0" bIns="0" rtlCol="0">
+                <a:spAutoFit/>
+              </a:bodyPr>
+              <a:lstStyle/>
+              <a:p>
+                <a:pPr/>
+                <a14:m>
+                  <m:oMathPara xmlns:m="http://schemas.openxmlformats.org/officeDocument/2006/math">
+                    <m:oMathParaPr>
+                      <m:jc m:val="centerGroup"/>
+                    </m:oMathParaPr>
+                    <m:oMath xmlns:m="http://schemas.openxmlformats.org/officeDocument/2006/math">
+                      <m:sSub>
+                        <m:sSubPr>
+                          <m:ctrlPr>
+                            <a:rPr lang="en-US" altLang="ko-KR" b="0" i="1" smtClean="0">
+                              <a:latin typeface="Cambria Math" panose="02040503050406030204" pitchFamily="18" charset="0"/>
+                            </a:rPr>
+                          </m:ctrlPr>
+                        </m:sSubPr>
+                        <m:e>
+                          <m:r>
+                            <a:rPr lang="en-US" altLang="ko-KR" b="0" i="1" smtClean="0">
+                              <a:latin typeface="Cambria Math" panose="02040503050406030204" pitchFamily="18" charset="0"/>
+                            </a:rPr>
+                            <m:t>𝜃</m:t>
+                          </m:r>
+                        </m:e>
+                        <m:sub>
+                          <m:r>
+                            <a:rPr lang="en-US" altLang="ko-KR" b="0" i="1" smtClean="0">
+                              <a:latin typeface="Cambria Math" panose="02040503050406030204" pitchFamily="18" charset="0"/>
+                            </a:rPr>
+                            <m:t>𝑑</m:t>
+                          </m:r>
+                        </m:sub>
+                      </m:sSub>
+                    </m:oMath>
+                  </m:oMathPara>
+                </a14:m>
+                <a:endParaRPr lang="ko-KR" altLang="en-US" dirty="0"/>
+              </a:p>
+            </p:txBody>
+          </p:sp>
+        </mc:Choice>
+        <mc:Fallback xmlns="">
+          <p:sp>
+            <p:nvSpPr>
+              <p:cNvPr id="13" name="TextBox 12"/>
+              <p:cNvSpPr txBox="1">
+                <a:spLocks noRot="1" noChangeAspect="1" noMove="1" noResize="1" noEditPoints="1" noAdjustHandles="1" noChangeArrowheads="1" noChangeShapeType="1" noTextEdit="1"/>
+              </p:cNvSpPr>
+              <p:nvPr/>
+            </p:nvSpPr>
+            <p:spPr>
+              <a:xfrm>
+                <a:off x="5548021" y="5590321"/>
+                <a:ext cx="325730" cy="276999"/>
+              </a:xfrm>
+              <a:prstGeom prst="rect">
+                <a:avLst/>
+              </a:prstGeom>
+              <a:blipFill>
+                <a:blip r:embed="rId7"/>
+                <a:stretch>
+                  <a:fillRect l="-11111" r="-1852" b="-22222"/>
+                </a:stretch>
+              </a:blipFill>
+            </p:spPr>
+            <p:txBody>
+              <a:bodyPr/>
+              <a:lstStyle/>
+              <a:p>
+                <a:r>
+                  <a:rPr lang="ko-KR" altLang="en-US">
+                    <a:noFill/>
+                  </a:rPr>
+                  <a:t> </a:t>
+                </a:r>
+              </a:p>
+            </p:txBody>
+          </p:sp>
+        </mc:Fallback>
+      </mc:AlternateContent>
+    </p:spTree>
+    <p:extLst>
+      <p:ext uri="{BB962C8B-B14F-4D97-AF65-F5344CB8AC3E}">
+        <p14:creationId xmlns:p14="http://schemas.microsoft.com/office/powerpoint/2010/main" val="2197526488"/>
       </p:ext>
     </p:extLst>
   </p:cSld>
